--- a/docs/diagrams/UndoRedoStartingStateListDiagram.pptx
+++ b/docs/diagrams/UndoRedoStartingStateListDiagram.pptx
@@ -104,16 +104,7 @@
       </a:defRPr>
     </a:lvl9pPr>
   </p:defaultTextStyle>
-  <p:extLst>
-    <p:ext uri="{EFAFB233-063F-42B5-8137-9DF3F51BA10A}">
-      <p15:sldGuideLst xmlns:p15="http://schemas.microsoft.com/office/powerpoint/2012/main"/>
-    </p:ext>
-  </p:extLst>
 </p:presentation>
-</file>
-
-<file path=ppt/revisionInfo.xml><?xml version="1.0" encoding="utf-8"?>
-<p1510:revInfo xmlns:a="http://schemas.openxmlformats.org/drawingml/2006/main" xmlns:r="http://schemas.openxmlformats.org/officeDocument/2006/relationships" xmlns:p1510="http://schemas.microsoft.com/office/powerpoint/2015/10/main"/>
 </file>
 
 <file path=ppt/slideLayouts/slideLayout1.xml><?xml version="1.0" encoding="utf-8"?>
@@ -135,13 +126,7 @@
       </p:grpSpPr>
       <p:sp>
         <p:nvSpPr>
-          <p:cNvPr id="2" name="Title 1">
-            <a:extLst>
-              <a:ext uri="{FF2B5EF4-FFF2-40B4-BE49-F238E27FC236}">
-                <a16:creationId xmlns:a16="http://schemas.microsoft.com/office/drawing/2014/main" id="{39FCC519-EE2E-4054-A653-93D611E0133E}"/>
-              </a:ext>
-            </a:extLst>
-          </p:cNvPr>
+          <p:cNvPr id="2" name="Title 1"/>
           <p:cNvSpPr>
             <a:spLocks noGrp="1"/>
           </p:cNvSpPr>
@@ -164,22 +149,16 @@
           </a:lstStyle>
           <a:p>
             <a:r>
-              <a:rPr lang="en-US"/>
+              <a:rPr lang="en-US" smtClean="0"/>
               <a:t>Click to edit Master title style</a:t>
             </a:r>
-            <a:endParaRPr lang="en-SG"/>
-          </a:p>
-        </p:txBody>
-      </p:sp>
-      <p:sp>
-        <p:nvSpPr>
-          <p:cNvPr id="3" name="Subtitle 2">
-            <a:extLst>
-              <a:ext uri="{FF2B5EF4-FFF2-40B4-BE49-F238E27FC236}">
-                <a16:creationId xmlns:a16="http://schemas.microsoft.com/office/drawing/2014/main" id="{3EDEA74E-4030-4F69-A055-4C6319EEEC29}"/>
-              </a:ext>
-            </a:extLst>
-          </p:cNvPr>
+            <a:endParaRPr lang="en-US"/>
+          </a:p>
+        </p:txBody>
+      </p:sp>
+      <p:sp>
+        <p:nvSpPr>
+          <p:cNvPr id="3" name="Subtitle 2"/>
           <p:cNvSpPr>
             <a:spLocks noGrp="1"/>
           </p:cNvSpPr>
@@ -235,22 +214,16 @@
           </a:lstStyle>
           <a:p>
             <a:r>
-              <a:rPr lang="en-US"/>
+              <a:rPr lang="en-US" smtClean="0"/>
               <a:t>Click to edit Master subtitle style</a:t>
             </a:r>
-            <a:endParaRPr lang="en-SG"/>
-          </a:p>
-        </p:txBody>
-      </p:sp>
-      <p:sp>
-        <p:nvSpPr>
-          <p:cNvPr id="4" name="Date Placeholder 3">
-            <a:extLst>
-              <a:ext uri="{FF2B5EF4-FFF2-40B4-BE49-F238E27FC236}">
-                <a16:creationId xmlns:a16="http://schemas.microsoft.com/office/drawing/2014/main" id="{E5CC99E3-37A6-4485-B9A2-AF27A72608C6}"/>
-              </a:ext>
-            </a:extLst>
-          </p:cNvPr>
+            <a:endParaRPr lang="en-US"/>
+          </a:p>
+        </p:txBody>
+      </p:sp>
+      <p:sp>
+        <p:nvSpPr>
+          <p:cNvPr id="4" name="Date Placeholder 3"/>
           <p:cNvSpPr>
             <a:spLocks noGrp="1"/>
           </p:cNvSpPr>
@@ -263,23 +236,17 @@
           <a:bodyPr/>
           <a:lstStyle/>
           <a:p>
-            <a:fld id="{03EC4E3E-8101-482F-A883-8B55DAFF7C07}" type="datetimeFigureOut">
-              <a:rPr lang="en-SG" smtClean="0"/>
-              <a:t>22/4/2018</a:t>
+            <a:fld id="{8B2F8DF3-7CFE-4C7E-A62E-FD00A81FB0CD}" type="datetimeFigureOut">
+              <a:rPr lang="en-US" smtClean="0"/>
+              <a:t>7/1/2018</a:t>
             </a:fld>
-            <a:endParaRPr lang="en-SG"/>
-          </a:p>
-        </p:txBody>
-      </p:sp>
-      <p:sp>
-        <p:nvSpPr>
-          <p:cNvPr id="5" name="Footer Placeholder 4">
-            <a:extLst>
-              <a:ext uri="{FF2B5EF4-FFF2-40B4-BE49-F238E27FC236}">
-                <a16:creationId xmlns:a16="http://schemas.microsoft.com/office/drawing/2014/main" id="{D75BD546-D949-4A25-8EA4-47DF23229409}"/>
-              </a:ext>
-            </a:extLst>
-          </p:cNvPr>
+            <a:endParaRPr lang="en-US"/>
+          </a:p>
+        </p:txBody>
+      </p:sp>
+      <p:sp>
+        <p:nvSpPr>
+          <p:cNvPr id="5" name="Footer Placeholder 4"/>
           <p:cNvSpPr>
             <a:spLocks noGrp="1"/>
           </p:cNvSpPr>
@@ -292,19 +259,13 @@
           <a:bodyPr/>
           <a:lstStyle/>
           <a:p>
-            <a:endParaRPr lang="en-SG"/>
-          </a:p>
-        </p:txBody>
-      </p:sp>
-      <p:sp>
-        <p:nvSpPr>
-          <p:cNvPr id="6" name="Slide Number Placeholder 5">
-            <a:extLst>
-              <a:ext uri="{FF2B5EF4-FFF2-40B4-BE49-F238E27FC236}">
-                <a16:creationId xmlns:a16="http://schemas.microsoft.com/office/drawing/2014/main" id="{68147391-4DF6-4ACF-BCE9-C1A9DAC803E3}"/>
-              </a:ext>
-            </a:extLst>
-          </p:cNvPr>
+            <a:endParaRPr lang="en-US"/>
+          </a:p>
+        </p:txBody>
+      </p:sp>
+      <p:sp>
+        <p:nvSpPr>
+          <p:cNvPr id="6" name="Slide Number Placeholder 5"/>
           <p:cNvSpPr>
             <a:spLocks noGrp="1"/>
           </p:cNvSpPr>
@@ -317,18 +278,18 @@
           <a:bodyPr/>
           <a:lstStyle/>
           <a:p>
-            <a:fld id="{F362EEBD-19F8-4A23-B3A5-01C987241991}" type="slidenum">
-              <a:rPr lang="en-SG" smtClean="0"/>
+            <a:fld id="{4F0D787A-F430-48DF-94CC-863D09AEAED8}" type="slidenum">
+              <a:rPr lang="en-US" smtClean="0"/>
               <a:t>‹#›</a:t>
             </a:fld>
-            <a:endParaRPr lang="en-SG"/>
+            <a:endParaRPr lang="en-US"/>
           </a:p>
         </p:txBody>
       </p:sp>
     </p:spTree>
     <p:extLst>
       <p:ext uri="{BB962C8B-B14F-4D97-AF65-F5344CB8AC3E}">
-        <p14:creationId xmlns:p14="http://schemas.microsoft.com/office/powerpoint/2010/main" val="4227771393"/>
+        <p14:creationId xmlns:p14="http://schemas.microsoft.com/office/powerpoint/2010/main" val="4162717748"/>
       </p:ext>
     </p:extLst>
   </p:cSld>
@@ -357,13 +318,7 @@
       </p:grpSpPr>
       <p:sp>
         <p:nvSpPr>
-          <p:cNvPr id="2" name="Title 1">
-            <a:extLst>
-              <a:ext uri="{FF2B5EF4-FFF2-40B4-BE49-F238E27FC236}">
-                <a16:creationId xmlns:a16="http://schemas.microsoft.com/office/drawing/2014/main" id="{251D3DFE-0C62-45F5-B1BF-FD1F194ED112}"/>
-              </a:ext>
-            </a:extLst>
-          </p:cNvPr>
+          <p:cNvPr id="2" name="Title 1"/>
           <p:cNvSpPr>
             <a:spLocks noGrp="1"/>
           </p:cNvSpPr>
@@ -377,22 +332,16 @@
           <a:lstStyle/>
           <a:p>
             <a:r>
-              <a:rPr lang="en-US"/>
+              <a:rPr lang="en-US" smtClean="0"/>
               <a:t>Click to edit Master title style</a:t>
             </a:r>
-            <a:endParaRPr lang="en-SG"/>
-          </a:p>
-        </p:txBody>
-      </p:sp>
-      <p:sp>
-        <p:nvSpPr>
-          <p:cNvPr id="3" name="Vertical Text Placeholder 2">
-            <a:extLst>
-              <a:ext uri="{FF2B5EF4-FFF2-40B4-BE49-F238E27FC236}">
-                <a16:creationId xmlns:a16="http://schemas.microsoft.com/office/drawing/2014/main" id="{D2392762-3586-4B6D-A174-2D3ACF0A125B}"/>
-              </a:ext>
-            </a:extLst>
-          </p:cNvPr>
+            <a:endParaRPr lang="en-US"/>
+          </a:p>
+        </p:txBody>
+      </p:sp>
+      <p:sp>
+        <p:nvSpPr>
+          <p:cNvPr id="3" name="Vertical Text Placeholder 2"/>
           <p:cNvSpPr>
             <a:spLocks noGrp="1"/>
           </p:cNvSpPr>
@@ -407,50 +356,44 @@
           <a:p>
             <a:pPr lvl="0"/>
             <a:r>
-              <a:rPr lang="en-US"/>
+              <a:rPr lang="en-US" smtClean="0"/>
               <a:t>Edit Master text styles</a:t>
             </a:r>
           </a:p>
           <a:p>
             <a:pPr lvl="1"/>
             <a:r>
-              <a:rPr lang="en-US"/>
+              <a:rPr lang="en-US" smtClean="0"/>
               <a:t>Second level</a:t>
             </a:r>
           </a:p>
           <a:p>
             <a:pPr lvl="2"/>
             <a:r>
-              <a:rPr lang="en-US"/>
+              <a:rPr lang="en-US" smtClean="0"/>
               <a:t>Third level</a:t>
             </a:r>
           </a:p>
           <a:p>
             <a:pPr lvl="3"/>
             <a:r>
-              <a:rPr lang="en-US"/>
+              <a:rPr lang="en-US" smtClean="0"/>
               <a:t>Fourth level</a:t>
             </a:r>
           </a:p>
           <a:p>
             <a:pPr lvl="4"/>
             <a:r>
-              <a:rPr lang="en-US"/>
+              <a:rPr lang="en-US" smtClean="0"/>
               <a:t>Fifth level</a:t>
             </a:r>
-            <a:endParaRPr lang="en-SG"/>
-          </a:p>
-        </p:txBody>
-      </p:sp>
-      <p:sp>
-        <p:nvSpPr>
-          <p:cNvPr id="4" name="Date Placeholder 3">
-            <a:extLst>
-              <a:ext uri="{FF2B5EF4-FFF2-40B4-BE49-F238E27FC236}">
-                <a16:creationId xmlns:a16="http://schemas.microsoft.com/office/drawing/2014/main" id="{73B232E7-84FB-4535-9FC1-1BEF8F17421F}"/>
-              </a:ext>
-            </a:extLst>
-          </p:cNvPr>
+            <a:endParaRPr lang="en-US"/>
+          </a:p>
+        </p:txBody>
+      </p:sp>
+      <p:sp>
+        <p:nvSpPr>
+          <p:cNvPr id="4" name="Date Placeholder 3"/>
           <p:cNvSpPr>
             <a:spLocks noGrp="1"/>
           </p:cNvSpPr>
@@ -463,23 +406,17 @@
           <a:bodyPr/>
           <a:lstStyle/>
           <a:p>
-            <a:fld id="{03EC4E3E-8101-482F-A883-8B55DAFF7C07}" type="datetimeFigureOut">
-              <a:rPr lang="en-SG" smtClean="0"/>
-              <a:t>22/4/2018</a:t>
+            <a:fld id="{8B2F8DF3-7CFE-4C7E-A62E-FD00A81FB0CD}" type="datetimeFigureOut">
+              <a:rPr lang="en-US" smtClean="0"/>
+              <a:t>7/1/2018</a:t>
             </a:fld>
-            <a:endParaRPr lang="en-SG"/>
-          </a:p>
-        </p:txBody>
-      </p:sp>
-      <p:sp>
-        <p:nvSpPr>
-          <p:cNvPr id="5" name="Footer Placeholder 4">
-            <a:extLst>
-              <a:ext uri="{FF2B5EF4-FFF2-40B4-BE49-F238E27FC236}">
-                <a16:creationId xmlns:a16="http://schemas.microsoft.com/office/drawing/2014/main" id="{76F796EF-04EF-401A-AC84-F7BDBC99DE80}"/>
-              </a:ext>
-            </a:extLst>
-          </p:cNvPr>
+            <a:endParaRPr lang="en-US"/>
+          </a:p>
+        </p:txBody>
+      </p:sp>
+      <p:sp>
+        <p:nvSpPr>
+          <p:cNvPr id="5" name="Footer Placeholder 4"/>
           <p:cNvSpPr>
             <a:spLocks noGrp="1"/>
           </p:cNvSpPr>
@@ -492,19 +429,13 @@
           <a:bodyPr/>
           <a:lstStyle/>
           <a:p>
-            <a:endParaRPr lang="en-SG"/>
-          </a:p>
-        </p:txBody>
-      </p:sp>
-      <p:sp>
-        <p:nvSpPr>
-          <p:cNvPr id="6" name="Slide Number Placeholder 5">
-            <a:extLst>
-              <a:ext uri="{FF2B5EF4-FFF2-40B4-BE49-F238E27FC236}">
-                <a16:creationId xmlns:a16="http://schemas.microsoft.com/office/drawing/2014/main" id="{8F55F009-0A64-4649-A732-4AA6D619F1F3}"/>
-              </a:ext>
-            </a:extLst>
-          </p:cNvPr>
+            <a:endParaRPr lang="en-US"/>
+          </a:p>
+        </p:txBody>
+      </p:sp>
+      <p:sp>
+        <p:nvSpPr>
+          <p:cNvPr id="6" name="Slide Number Placeholder 5"/>
           <p:cNvSpPr>
             <a:spLocks noGrp="1"/>
           </p:cNvSpPr>
@@ -517,18 +448,18 @@
           <a:bodyPr/>
           <a:lstStyle/>
           <a:p>
-            <a:fld id="{F362EEBD-19F8-4A23-B3A5-01C987241991}" type="slidenum">
-              <a:rPr lang="en-SG" smtClean="0"/>
+            <a:fld id="{4F0D787A-F430-48DF-94CC-863D09AEAED8}" type="slidenum">
+              <a:rPr lang="en-US" smtClean="0"/>
               <a:t>‹#›</a:t>
             </a:fld>
-            <a:endParaRPr lang="en-SG"/>
+            <a:endParaRPr lang="en-US"/>
           </a:p>
         </p:txBody>
       </p:sp>
     </p:spTree>
     <p:extLst>
       <p:ext uri="{BB962C8B-B14F-4D97-AF65-F5344CB8AC3E}">
-        <p14:creationId xmlns:p14="http://schemas.microsoft.com/office/powerpoint/2010/main" val="2305198193"/>
+        <p14:creationId xmlns:p14="http://schemas.microsoft.com/office/powerpoint/2010/main" val="2686911716"/>
       </p:ext>
     </p:extLst>
   </p:cSld>
@@ -557,13 +488,7 @@
       </p:grpSpPr>
       <p:sp>
         <p:nvSpPr>
-          <p:cNvPr id="2" name="Vertical Title 1">
-            <a:extLst>
-              <a:ext uri="{FF2B5EF4-FFF2-40B4-BE49-F238E27FC236}">
-                <a16:creationId xmlns:a16="http://schemas.microsoft.com/office/drawing/2014/main" id="{F7DE9595-D7A8-4E19-B4C6-E295F978F6A4}"/>
-              </a:ext>
-            </a:extLst>
-          </p:cNvPr>
+          <p:cNvPr id="2" name="Vertical Title 1"/>
           <p:cNvSpPr>
             <a:spLocks noGrp="1"/>
           </p:cNvSpPr>
@@ -582,22 +507,16 @@
           <a:lstStyle/>
           <a:p>
             <a:r>
-              <a:rPr lang="en-US"/>
+              <a:rPr lang="en-US" smtClean="0"/>
               <a:t>Click to edit Master title style</a:t>
             </a:r>
-            <a:endParaRPr lang="en-SG"/>
-          </a:p>
-        </p:txBody>
-      </p:sp>
-      <p:sp>
-        <p:nvSpPr>
-          <p:cNvPr id="3" name="Vertical Text Placeholder 2">
-            <a:extLst>
-              <a:ext uri="{FF2B5EF4-FFF2-40B4-BE49-F238E27FC236}">
-                <a16:creationId xmlns:a16="http://schemas.microsoft.com/office/drawing/2014/main" id="{0D2975B7-7A6D-40EA-B2F6-338022AD2BF1}"/>
-              </a:ext>
-            </a:extLst>
-          </p:cNvPr>
+            <a:endParaRPr lang="en-US"/>
+          </a:p>
+        </p:txBody>
+      </p:sp>
+      <p:sp>
+        <p:nvSpPr>
+          <p:cNvPr id="3" name="Vertical Text Placeholder 2"/>
           <p:cNvSpPr>
             <a:spLocks noGrp="1"/>
           </p:cNvSpPr>
@@ -617,50 +536,44 @@
           <a:p>
             <a:pPr lvl="0"/>
             <a:r>
-              <a:rPr lang="en-US"/>
+              <a:rPr lang="en-US" smtClean="0"/>
               <a:t>Edit Master text styles</a:t>
             </a:r>
           </a:p>
           <a:p>
             <a:pPr lvl="1"/>
             <a:r>
-              <a:rPr lang="en-US"/>
+              <a:rPr lang="en-US" smtClean="0"/>
               <a:t>Second level</a:t>
             </a:r>
           </a:p>
           <a:p>
             <a:pPr lvl="2"/>
             <a:r>
-              <a:rPr lang="en-US"/>
+              <a:rPr lang="en-US" smtClean="0"/>
               <a:t>Third level</a:t>
             </a:r>
           </a:p>
           <a:p>
             <a:pPr lvl="3"/>
             <a:r>
-              <a:rPr lang="en-US"/>
+              <a:rPr lang="en-US" smtClean="0"/>
               <a:t>Fourth level</a:t>
             </a:r>
           </a:p>
           <a:p>
             <a:pPr lvl="4"/>
             <a:r>
-              <a:rPr lang="en-US"/>
+              <a:rPr lang="en-US" smtClean="0"/>
               <a:t>Fifth level</a:t>
             </a:r>
-            <a:endParaRPr lang="en-SG"/>
-          </a:p>
-        </p:txBody>
-      </p:sp>
-      <p:sp>
-        <p:nvSpPr>
-          <p:cNvPr id="4" name="Date Placeholder 3">
-            <a:extLst>
-              <a:ext uri="{FF2B5EF4-FFF2-40B4-BE49-F238E27FC236}">
-                <a16:creationId xmlns:a16="http://schemas.microsoft.com/office/drawing/2014/main" id="{C8230AC3-1BED-4D2B-96D3-51C50E14A9E6}"/>
-              </a:ext>
-            </a:extLst>
-          </p:cNvPr>
+            <a:endParaRPr lang="en-US"/>
+          </a:p>
+        </p:txBody>
+      </p:sp>
+      <p:sp>
+        <p:nvSpPr>
+          <p:cNvPr id="4" name="Date Placeholder 3"/>
           <p:cNvSpPr>
             <a:spLocks noGrp="1"/>
           </p:cNvSpPr>
@@ -673,23 +586,17 @@
           <a:bodyPr/>
           <a:lstStyle/>
           <a:p>
-            <a:fld id="{03EC4E3E-8101-482F-A883-8B55DAFF7C07}" type="datetimeFigureOut">
-              <a:rPr lang="en-SG" smtClean="0"/>
-              <a:t>22/4/2018</a:t>
+            <a:fld id="{8B2F8DF3-7CFE-4C7E-A62E-FD00A81FB0CD}" type="datetimeFigureOut">
+              <a:rPr lang="en-US" smtClean="0"/>
+              <a:t>7/1/2018</a:t>
             </a:fld>
-            <a:endParaRPr lang="en-SG"/>
-          </a:p>
-        </p:txBody>
-      </p:sp>
-      <p:sp>
-        <p:nvSpPr>
-          <p:cNvPr id="5" name="Footer Placeholder 4">
-            <a:extLst>
-              <a:ext uri="{FF2B5EF4-FFF2-40B4-BE49-F238E27FC236}">
-                <a16:creationId xmlns:a16="http://schemas.microsoft.com/office/drawing/2014/main" id="{4AD6CA96-231A-43AD-B530-7C509651DE3B}"/>
-              </a:ext>
-            </a:extLst>
-          </p:cNvPr>
+            <a:endParaRPr lang="en-US"/>
+          </a:p>
+        </p:txBody>
+      </p:sp>
+      <p:sp>
+        <p:nvSpPr>
+          <p:cNvPr id="5" name="Footer Placeholder 4"/>
           <p:cNvSpPr>
             <a:spLocks noGrp="1"/>
           </p:cNvSpPr>
@@ -702,19 +609,13 @@
           <a:bodyPr/>
           <a:lstStyle/>
           <a:p>
-            <a:endParaRPr lang="en-SG"/>
-          </a:p>
-        </p:txBody>
-      </p:sp>
-      <p:sp>
-        <p:nvSpPr>
-          <p:cNvPr id="6" name="Slide Number Placeholder 5">
-            <a:extLst>
-              <a:ext uri="{FF2B5EF4-FFF2-40B4-BE49-F238E27FC236}">
-                <a16:creationId xmlns:a16="http://schemas.microsoft.com/office/drawing/2014/main" id="{12063E3B-180A-454E-A661-6CCD48D7062C}"/>
-              </a:ext>
-            </a:extLst>
-          </p:cNvPr>
+            <a:endParaRPr lang="en-US"/>
+          </a:p>
+        </p:txBody>
+      </p:sp>
+      <p:sp>
+        <p:nvSpPr>
+          <p:cNvPr id="6" name="Slide Number Placeholder 5"/>
           <p:cNvSpPr>
             <a:spLocks noGrp="1"/>
           </p:cNvSpPr>
@@ -727,18 +628,18 @@
           <a:bodyPr/>
           <a:lstStyle/>
           <a:p>
-            <a:fld id="{F362EEBD-19F8-4A23-B3A5-01C987241991}" type="slidenum">
-              <a:rPr lang="en-SG" smtClean="0"/>
+            <a:fld id="{4F0D787A-F430-48DF-94CC-863D09AEAED8}" type="slidenum">
+              <a:rPr lang="en-US" smtClean="0"/>
               <a:t>‹#›</a:t>
             </a:fld>
-            <a:endParaRPr lang="en-SG"/>
+            <a:endParaRPr lang="en-US"/>
           </a:p>
         </p:txBody>
       </p:sp>
     </p:spTree>
     <p:extLst>
       <p:ext uri="{BB962C8B-B14F-4D97-AF65-F5344CB8AC3E}">
-        <p14:creationId xmlns:p14="http://schemas.microsoft.com/office/powerpoint/2010/main" val="1148984362"/>
+        <p14:creationId xmlns:p14="http://schemas.microsoft.com/office/powerpoint/2010/main" val="3434359180"/>
       </p:ext>
     </p:extLst>
   </p:cSld>
@@ -767,13 +668,7 @@
       </p:grpSpPr>
       <p:sp>
         <p:nvSpPr>
-          <p:cNvPr id="2" name="Title 1">
-            <a:extLst>
-              <a:ext uri="{FF2B5EF4-FFF2-40B4-BE49-F238E27FC236}">
-                <a16:creationId xmlns:a16="http://schemas.microsoft.com/office/drawing/2014/main" id="{7E861C8D-BAF0-4DD9-92B9-591B272791CA}"/>
-              </a:ext>
-            </a:extLst>
-          </p:cNvPr>
+          <p:cNvPr id="2" name="Title 1"/>
           <p:cNvSpPr>
             <a:spLocks noGrp="1"/>
           </p:cNvSpPr>
@@ -787,22 +682,16 @@
           <a:lstStyle/>
           <a:p>
             <a:r>
-              <a:rPr lang="en-US"/>
+              <a:rPr lang="en-US" smtClean="0"/>
               <a:t>Click to edit Master title style</a:t>
             </a:r>
-            <a:endParaRPr lang="en-SG"/>
-          </a:p>
-        </p:txBody>
-      </p:sp>
-      <p:sp>
-        <p:nvSpPr>
-          <p:cNvPr id="3" name="Content Placeholder 2">
-            <a:extLst>
-              <a:ext uri="{FF2B5EF4-FFF2-40B4-BE49-F238E27FC236}">
-                <a16:creationId xmlns:a16="http://schemas.microsoft.com/office/drawing/2014/main" id="{534DA4BD-1D78-446B-B79F-C1229642DDEB}"/>
-              </a:ext>
-            </a:extLst>
-          </p:cNvPr>
+            <a:endParaRPr lang="en-US"/>
+          </a:p>
+        </p:txBody>
+      </p:sp>
+      <p:sp>
+        <p:nvSpPr>
+          <p:cNvPr id="3" name="Content Placeholder 2"/>
           <p:cNvSpPr>
             <a:spLocks noGrp="1"/>
           </p:cNvSpPr>
@@ -817,50 +706,44 @@
           <a:p>
             <a:pPr lvl="0"/>
             <a:r>
-              <a:rPr lang="en-US"/>
+              <a:rPr lang="en-US" smtClean="0"/>
               <a:t>Edit Master text styles</a:t>
             </a:r>
           </a:p>
           <a:p>
             <a:pPr lvl="1"/>
             <a:r>
-              <a:rPr lang="en-US"/>
+              <a:rPr lang="en-US" smtClean="0"/>
               <a:t>Second level</a:t>
             </a:r>
           </a:p>
           <a:p>
             <a:pPr lvl="2"/>
             <a:r>
-              <a:rPr lang="en-US"/>
+              <a:rPr lang="en-US" smtClean="0"/>
               <a:t>Third level</a:t>
             </a:r>
           </a:p>
           <a:p>
             <a:pPr lvl="3"/>
             <a:r>
-              <a:rPr lang="en-US"/>
+              <a:rPr lang="en-US" smtClean="0"/>
               <a:t>Fourth level</a:t>
             </a:r>
           </a:p>
           <a:p>
             <a:pPr lvl="4"/>
             <a:r>
-              <a:rPr lang="en-US"/>
+              <a:rPr lang="en-US" smtClean="0"/>
               <a:t>Fifth level</a:t>
             </a:r>
-            <a:endParaRPr lang="en-SG"/>
-          </a:p>
-        </p:txBody>
-      </p:sp>
-      <p:sp>
-        <p:nvSpPr>
-          <p:cNvPr id="4" name="Date Placeholder 3">
-            <a:extLst>
-              <a:ext uri="{FF2B5EF4-FFF2-40B4-BE49-F238E27FC236}">
-                <a16:creationId xmlns:a16="http://schemas.microsoft.com/office/drawing/2014/main" id="{AD6BEDB5-7B62-4953-BECB-7F7F3E909CAC}"/>
-              </a:ext>
-            </a:extLst>
-          </p:cNvPr>
+            <a:endParaRPr lang="en-US"/>
+          </a:p>
+        </p:txBody>
+      </p:sp>
+      <p:sp>
+        <p:nvSpPr>
+          <p:cNvPr id="4" name="Date Placeholder 3"/>
           <p:cNvSpPr>
             <a:spLocks noGrp="1"/>
           </p:cNvSpPr>
@@ -873,23 +756,17 @@
           <a:bodyPr/>
           <a:lstStyle/>
           <a:p>
-            <a:fld id="{03EC4E3E-8101-482F-A883-8B55DAFF7C07}" type="datetimeFigureOut">
-              <a:rPr lang="en-SG" smtClean="0"/>
-              <a:t>22/4/2018</a:t>
+            <a:fld id="{8B2F8DF3-7CFE-4C7E-A62E-FD00A81FB0CD}" type="datetimeFigureOut">
+              <a:rPr lang="en-US" smtClean="0"/>
+              <a:t>7/1/2018</a:t>
             </a:fld>
-            <a:endParaRPr lang="en-SG"/>
-          </a:p>
-        </p:txBody>
-      </p:sp>
-      <p:sp>
-        <p:nvSpPr>
-          <p:cNvPr id="5" name="Footer Placeholder 4">
-            <a:extLst>
-              <a:ext uri="{FF2B5EF4-FFF2-40B4-BE49-F238E27FC236}">
-                <a16:creationId xmlns:a16="http://schemas.microsoft.com/office/drawing/2014/main" id="{349CD732-2DD1-42BE-8480-5C6507018294}"/>
-              </a:ext>
-            </a:extLst>
-          </p:cNvPr>
+            <a:endParaRPr lang="en-US"/>
+          </a:p>
+        </p:txBody>
+      </p:sp>
+      <p:sp>
+        <p:nvSpPr>
+          <p:cNvPr id="5" name="Footer Placeholder 4"/>
           <p:cNvSpPr>
             <a:spLocks noGrp="1"/>
           </p:cNvSpPr>
@@ -902,19 +779,13 @@
           <a:bodyPr/>
           <a:lstStyle/>
           <a:p>
-            <a:endParaRPr lang="en-SG"/>
-          </a:p>
-        </p:txBody>
-      </p:sp>
-      <p:sp>
-        <p:nvSpPr>
-          <p:cNvPr id="6" name="Slide Number Placeholder 5">
-            <a:extLst>
-              <a:ext uri="{FF2B5EF4-FFF2-40B4-BE49-F238E27FC236}">
-                <a16:creationId xmlns:a16="http://schemas.microsoft.com/office/drawing/2014/main" id="{574C27E0-F36A-4438-9402-C2CB0377D92D}"/>
-              </a:ext>
-            </a:extLst>
-          </p:cNvPr>
+            <a:endParaRPr lang="en-US"/>
+          </a:p>
+        </p:txBody>
+      </p:sp>
+      <p:sp>
+        <p:nvSpPr>
+          <p:cNvPr id="6" name="Slide Number Placeholder 5"/>
           <p:cNvSpPr>
             <a:spLocks noGrp="1"/>
           </p:cNvSpPr>
@@ -927,18 +798,18 @@
           <a:bodyPr/>
           <a:lstStyle/>
           <a:p>
-            <a:fld id="{F362EEBD-19F8-4A23-B3A5-01C987241991}" type="slidenum">
-              <a:rPr lang="en-SG" smtClean="0"/>
+            <a:fld id="{4F0D787A-F430-48DF-94CC-863D09AEAED8}" type="slidenum">
+              <a:rPr lang="en-US" smtClean="0"/>
               <a:t>‹#›</a:t>
             </a:fld>
-            <a:endParaRPr lang="en-SG"/>
+            <a:endParaRPr lang="en-US"/>
           </a:p>
         </p:txBody>
       </p:sp>
     </p:spTree>
     <p:extLst>
       <p:ext uri="{BB962C8B-B14F-4D97-AF65-F5344CB8AC3E}">
-        <p14:creationId xmlns:p14="http://schemas.microsoft.com/office/powerpoint/2010/main" val="111561436"/>
+        <p14:creationId xmlns:p14="http://schemas.microsoft.com/office/powerpoint/2010/main" val="3947274495"/>
       </p:ext>
     </p:extLst>
   </p:cSld>
@@ -967,13 +838,7 @@
       </p:grpSpPr>
       <p:sp>
         <p:nvSpPr>
-          <p:cNvPr id="2" name="Title 1">
-            <a:extLst>
-              <a:ext uri="{FF2B5EF4-FFF2-40B4-BE49-F238E27FC236}">
-                <a16:creationId xmlns:a16="http://schemas.microsoft.com/office/drawing/2014/main" id="{80A42FFA-8A45-40F8-9C5C-9906971B38AB}"/>
-              </a:ext>
-            </a:extLst>
-          </p:cNvPr>
+          <p:cNvPr id="2" name="Title 1"/>
           <p:cNvSpPr>
             <a:spLocks noGrp="1"/>
           </p:cNvSpPr>
@@ -996,22 +861,16 @@
           </a:lstStyle>
           <a:p>
             <a:r>
-              <a:rPr lang="en-US"/>
+              <a:rPr lang="en-US" smtClean="0"/>
               <a:t>Click to edit Master title style</a:t>
             </a:r>
-            <a:endParaRPr lang="en-SG"/>
-          </a:p>
-        </p:txBody>
-      </p:sp>
-      <p:sp>
-        <p:nvSpPr>
-          <p:cNvPr id="3" name="Text Placeholder 2">
-            <a:extLst>
-              <a:ext uri="{FF2B5EF4-FFF2-40B4-BE49-F238E27FC236}">
-                <a16:creationId xmlns:a16="http://schemas.microsoft.com/office/drawing/2014/main" id="{7D8879A7-8225-4473-B738-B780B6224EC5}"/>
-              </a:ext>
-            </a:extLst>
-          </p:cNvPr>
+            <a:endParaRPr lang="en-US"/>
+          </a:p>
+        </p:txBody>
+      </p:sp>
+      <p:sp>
+        <p:nvSpPr>
+          <p:cNvPr id="3" name="Text Placeholder 2"/>
           <p:cNvSpPr>
             <a:spLocks noGrp="1"/>
           </p:cNvSpPr>
@@ -1122,7 +981,7 @@
           <a:p>
             <a:pPr lvl="0"/>
             <a:r>
-              <a:rPr lang="en-US"/>
+              <a:rPr lang="en-US" smtClean="0"/>
               <a:t>Edit Master text styles</a:t>
             </a:r>
           </a:p>
@@ -1130,13 +989,7 @@
       </p:sp>
       <p:sp>
         <p:nvSpPr>
-          <p:cNvPr id="4" name="Date Placeholder 3">
-            <a:extLst>
-              <a:ext uri="{FF2B5EF4-FFF2-40B4-BE49-F238E27FC236}">
-                <a16:creationId xmlns:a16="http://schemas.microsoft.com/office/drawing/2014/main" id="{6CF7978C-FE65-4091-9152-E33029C12AEA}"/>
-              </a:ext>
-            </a:extLst>
-          </p:cNvPr>
+          <p:cNvPr id="4" name="Date Placeholder 3"/>
           <p:cNvSpPr>
             <a:spLocks noGrp="1"/>
           </p:cNvSpPr>
@@ -1149,23 +1002,17 @@
           <a:bodyPr/>
           <a:lstStyle/>
           <a:p>
-            <a:fld id="{03EC4E3E-8101-482F-A883-8B55DAFF7C07}" type="datetimeFigureOut">
-              <a:rPr lang="en-SG" smtClean="0"/>
-              <a:t>22/4/2018</a:t>
+            <a:fld id="{8B2F8DF3-7CFE-4C7E-A62E-FD00A81FB0CD}" type="datetimeFigureOut">
+              <a:rPr lang="en-US" smtClean="0"/>
+              <a:t>7/1/2018</a:t>
             </a:fld>
-            <a:endParaRPr lang="en-SG"/>
-          </a:p>
-        </p:txBody>
-      </p:sp>
-      <p:sp>
-        <p:nvSpPr>
-          <p:cNvPr id="5" name="Footer Placeholder 4">
-            <a:extLst>
-              <a:ext uri="{FF2B5EF4-FFF2-40B4-BE49-F238E27FC236}">
-                <a16:creationId xmlns:a16="http://schemas.microsoft.com/office/drawing/2014/main" id="{B344C9CC-480F-4DCB-AC70-D7A4CCA0B8B7}"/>
-              </a:ext>
-            </a:extLst>
-          </p:cNvPr>
+            <a:endParaRPr lang="en-US"/>
+          </a:p>
+        </p:txBody>
+      </p:sp>
+      <p:sp>
+        <p:nvSpPr>
+          <p:cNvPr id="5" name="Footer Placeholder 4"/>
           <p:cNvSpPr>
             <a:spLocks noGrp="1"/>
           </p:cNvSpPr>
@@ -1178,19 +1025,13 @@
           <a:bodyPr/>
           <a:lstStyle/>
           <a:p>
-            <a:endParaRPr lang="en-SG"/>
-          </a:p>
-        </p:txBody>
-      </p:sp>
-      <p:sp>
-        <p:nvSpPr>
-          <p:cNvPr id="6" name="Slide Number Placeholder 5">
-            <a:extLst>
-              <a:ext uri="{FF2B5EF4-FFF2-40B4-BE49-F238E27FC236}">
-                <a16:creationId xmlns:a16="http://schemas.microsoft.com/office/drawing/2014/main" id="{8F5A07EC-843A-4ED9-8F1C-AD703CA36D58}"/>
-              </a:ext>
-            </a:extLst>
-          </p:cNvPr>
+            <a:endParaRPr lang="en-US"/>
+          </a:p>
+        </p:txBody>
+      </p:sp>
+      <p:sp>
+        <p:nvSpPr>
+          <p:cNvPr id="6" name="Slide Number Placeholder 5"/>
           <p:cNvSpPr>
             <a:spLocks noGrp="1"/>
           </p:cNvSpPr>
@@ -1203,18 +1044,18 @@
           <a:bodyPr/>
           <a:lstStyle/>
           <a:p>
-            <a:fld id="{F362EEBD-19F8-4A23-B3A5-01C987241991}" type="slidenum">
-              <a:rPr lang="en-SG" smtClean="0"/>
+            <a:fld id="{4F0D787A-F430-48DF-94CC-863D09AEAED8}" type="slidenum">
+              <a:rPr lang="en-US" smtClean="0"/>
               <a:t>‹#›</a:t>
             </a:fld>
-            <a:endParaRPr lang="en-SG"/>
+            <a:endParaRPr lang="en-US"/>
           </a:p>
         </p:txBody>
       </p:sp>
     </p:spTree>
     <p:extLst>
       <p:ext uri="{BB962C8B-B14F-4D97-AF65-F5344CB8AC3E}">
-        <p14:creationId xmlns:p14="http://schemas.microsoft.com/office/powerpoint/2010/main" val="2217340100"/>
+        <p14:creationId xmlns:p14="http://schemas.microsoft.com/office/powerpoint/2010/main" val="3396931209"/>
       </p:ext>
     </p:extLst>
   </p:cSld>
@@ -1243,13 +1084,7 @@
       </p:grpSpPr>
       <p:sp>
         <p:nvSpPr>
-          <p:cNvPr id="2" name="Title 1">
-            <a:extLst>
-              <a:ext uri="{FF2B5EF4-FFF2-40B4-BE49-F238E27FC236}">
-                <a16:creationId xmlns:a16="http://schemas.microsoft.com/office/drawing/2014/main" id="{056EE2DA-07D9-4774-A8CA-0CA247F8C72A}"/>
-              </a:ext>
-            </a:extLst>
-          </p:cNvPr>
+          <p:cNvPr id="2" name="Title 1"/>
           <p:cNvSpPr>
             <a:spLocks noGrp="1"/>
           </p:cNvSpPr>
@@ -1263,22 +1098,16 @@
           <a:lstStyle/>
           <a:p>
             <a:r>
-              <a:rPr lang="en-US"/>
+              <a:rPr lang="en-US" smtClean="0"/>
               <a:t>Click to edit Master title style</a:t>
             </a:r>
-            <a:endParaRPr lang="en-SG"/>
-          </a:p>
-        </p:txBody>
-      </p:sp>
-      <p:sp>
-        <p:nvSpPr>
-          <p:cNvPr id="3" name="Content Placeholder 2">
-            <a:extLst>
-              <a:ext uri="{FF2B5EF4-FFF2-40B4-BE49-F238E27FC236}">
-                <a16:creationId xmlns:a16="http://schemas.microsoft.com/office/drawing/2014/main" id="{3CF93A59-4E25-4FFA-8796-AA06EF3E5C3E}"/>
-              </a:ext>
-            </a:extLst>
-          </p:cNvPr>
+            <a:endParaRPr lang="en-US"/>
+          </a:p>
+        </p:txBody>
+      </p:sp>
+      <p:sp>
+        <p:nvSpPr>
+          <p:cNvPr id="3" name="Content Placeholder 2"/>
           <p:cNvSpPr>
             <a:spLocks noGrp="1"/>
           </p:cNvSpPr>
@@ -1298,50 +1127,44 @@
           <a:p>
             <a:pPr lvl="0"/>
             <a:r>
-              <a:rPr lang="en-US"/>
+              <a:rPr lang="en-US" smtClean="0"/>
               <a:t>Edit Master text styles</a:t>
             </a:r>
           </a:p>
           <a:p>
             <a:pPr lvl="1"/>
             <a:r>
-              <a:rPr lang="en-US"/>
+              <a:rPr lang="en-US" smtClean="0"/>
               <a:t>Second level</a:t>
             </a:r>
           </a:p>
           <a:p>
             <a:pPr lvl="2"/>
             <a:r>
-              <a:rPr lang="en-US"/>
+              <a:rPr lang="en-US" smtClean="0"/>
               <a:t>Third level</a:t>
             </a:r>
           </a:p>
           <a:p>
             <a:pPr lvl="3"/>
             <a:r>
-              <a:rPr lang="en-US"/>
+              <a:rPr lang="en-US" smtClean="0"/>
               <a:t>Fourth level</a:t>
             </a:r>
           </a:p>
           <a:p>
             <a:pPr lvl="4"/>
             <a:r>
-              <a:rPr lang="en-US"/>
+              <a:rPr lang="en-US" smtClean="0"/>
               <a:t>Fifth level</a:t>
             </a:r>
-            <a:endParaRPr lang="en-SG"/>
-          </a:p>
-        </p:txBody>
-      </p:sp>
-      <p:sp>
-        <p:nvSpPr>
-          <p:cNvPr id="4" name="Content Placeholder 3">
-            <a:extLst>
-              <a:ext uri="{FF2B5EF4-FFF2-40B4-BE49-F238E27FC236}">
-                <a16:creationId xmlns:a16="http://schemas.microsoft.com/office/drawing/2014/main" id="{81373B10-E346-4893-AFEE-65E014405E2D}"/>
-              </a:ext>
-            </a:extLst>
-          </p:cNvPr>
+            <a:endParaRPr lang="en-US"/>
+          </a:p>
+        </p:txBody>
+      </p:sp>
+      <p:sp>
+        <p:nvSpPr>
+          <p:cNvPr id="4" name="Content Placeholder 3"/>
           <p:cNvSpPr>
             <a:spLocks noGrp="1"/>
           </p:cNvSpPr>
@@ -1361,50 +1184,44 @@
           <a:p>
             <a:pPr lvl="0"/>
             <a:r>
-              <a:rPr lang="en-US"/>
+              <a:rPr lang="en-US" smtClean="0"/>
               <a:t>Edit Master text styles</a:t>
             </a:r>
           </a:p>
           <a:p>
             <a:pPr lvl="1"/>
             <a:r>
-              <a:rPr lang="en-US"/>
+              <a:rPr lang="en-US" smtClean="0"/>
               <a:t>Second level</a:t>
             </a:r>
           </a:p>
           <a:p>
             <a:pPr lvl="2"/>
             <a:r>
-              <a:rPr lang="en-US"/>
+              <a:rPr lang="en-US" smtClean="0"/>
               <a:t>Third level</a:t>
             </a:r>
           </a:p>
           <a:p>
             <a:pPr lvl="3"/>
             <a:r>
-              <a:rPr lang="en-US"/>
+              <a:rPr lang="en-US" smtClean="0"/>
               <a:t>Fourth level</a:t>
             </a:r>
           </a:p>
           <a:p>
             <a:pPr lvl="4"/>
             <a:r>
-              <a:rPr lang="en-US"/>
+              <a:rPr lang="en-US" smtClean="0"/>
               <a:t>Fifth level</a:t>
             </a:r>
-            <a:endParaRPr lang="en-SG"/>
-          </a:p>
-        </p:txBody>
-      </p:sp>
-      <p:sp>
-        <p:nvSpPr>
-          <p:cNvPr id="5" name="Date Placeholder 4">
-            <a:extLst>
-              <a:ext uri="{FF2B5EF4-FFF2-40B4-BE49-F238E27FC236}">
-                <a16:creationId xmlns:a16="http://schemas.microsoft.com/office/drawing/2014/main" id="{D9C411A1-6D64-4C63-A758-5D2FEE677F45}"/>
-              </a:ext>
-            </a:extLst>
-          </p:cNvPr>
+            <a:endParaRPr lang="en-US"/>
+          </a:p>
+        </p:txBody>
+      </p:sp>
+      <p:sp>
+        <p:nvSpPr>
+          <p:cNvPr id="5" name="Date Placeholder 4"/>
           <p:cNvSpPr>
             <a:spLocks noGrp="1"/>
           </p:cNvSpPr>
@@ -1417,23 +1234,17 @@
           <a:bodyPr/>
           <a:lstStyle/>
           <a:p>
-            <a:fld id="{03EC4E3E-8101-482F-A883-8B55DAFF7C07}" type="datetimeFigureOut">
-              <a:rPr lang="en-SG" smtClean="0"/>
-              <a:t>22/4/2018</a:t>
+            <a:fld id="{8B2F8DF3-7CFE-4C7E-A62E-FD00A81FB0CD}" type="datetimeFigureOut">
+              <a:rPr lang="en-US" smtClean="0"/>
+              <a:t>7/1/2018</a:t>
             </a:fld>
-            <a:endParaRPr lang="en-SG"/>
-          </a:p>
-        </p:txBody>
-      </p:sp>
-      <p:sp>
-        <p:nvSpPr>
-          <p:cNvPr id="6" name="Footer Placeholder 5">
-            <a:extLst>
-              <a:ext uri="{FF2B5EF4-FFF2-40B4-BE49-F238E27FC236}">
-                <a16:creationId xmlns:a16="http://schemas.microsoft.com/office/drawing/2014/main" id="{8D9C2E46-644C-4155-A697-764A7A0AB1F4}"/>
-              </a:ext>
-            </a:extLst>
-          </p:cNvPr>
+            <a:endParaRPr lang="en-US"/>
+          </a:p>
+        </p:txBody>
+      </p:sp>
+      <p:sp>
+        <p:nvSpPr>
+          <p:cNvPr id="6" name="Footer Placeholder 5"/>
           <p:cNvSpPr>
             <a:spLocks noGrp="1"/>
           </p:cNvSpPr>
@@ -1446,19 +1257,13 @@
           <a:bodyPr/>
           <a:lstStyle/>
           <a:p>
-            <a:endParaRPr lang="en-SG"/>
-          </a:p>
-        </p:txBody>
-      </p:sp>
-      <p:sp>
-        <p:nvSpPr>
-          <p:cNvPr id="7" name="Slide Number Placeholder 6">
-            <a:extLst>
-              <a:ext uri="{FF2B5EF4-FFF2-40B4-BE49-F238E27FC236}">
-                <a16:creationId xmlns:a16="http://schemas.microsoft.com/office/drawing/2014/main" id="{6192DEDD-6479-45E4-B1F5-6EDD41BBB103}"/>
-              </a:ext>
-            </a:extLst>
-          </p:cNvPr>
+            <a:endParaRPr lang="en-US"/>
+          </a:p>
+        </p:txBody>
+      </p:sp>
+      <p:sp>
+        <p:nvSpPr>
+          <p:cNvPr id="7" name="Slide Number Placeholder 6"/>
           <p:cNvSpPr>
             <a:spLocks noGrp="1"/>
           </p:cNvSpPr>
@@ -1471,18 +1276,18 @@
           <a:bodyPr/>
           <a:lstStyle/>
           <a:p>
-            <a:fld id="{F362EEBD-19F8-4A23-B3A5-01C987241991}" type="slidenum">
-              <a:rPr lang="en-SG" smtClean="0"/>
+            <a:fld id="{4F0D787A-F430-48DF-94CC-863D09AEAED8}" type="slidenum">
+              <a:rPr lang="en-US" smtClean="0"/>
               <a:t>‹#›</a:t>
             </a:fld>
-            <a:endParaRPr lang="en-SG"/>
+            <a:endParaRPr lang="en-US"/>
           </a:p>
         </p:txBody>
       </p:sp>
     </p:spTree>
     <p:extLst>
       <p:ext uri="{BB962C8B-B14F-4D97-AF65-F5344CB8AC3E}">
-        <p14:creationId xmlns:p14="http://schemas.microsoft.com/office/powerpoint/2010/main" val="1298304602"/>
+        <p14:creationId xmlns:p14="http://schemas.microsoft.com/office/powerpoint/2010/main" val="1081871611"/>
       </p:ext>
     </p:extLst>
   </p:cSld>
@@ -1511,13 +1316,7 @@
       </p:grpSpPr>
       <p:sp>
         <p:nvSpPr>
-          <p:cNvPr id="2" name="Title 1">
-            <a:extLst>
-              <a:ext uri="{FF2B5EF4-FFF2-40B4-BE49-F238E27FC236}">
-                <a16:creationId xmlns:a16="http://schemas.microsoft.com/office/drawing/2014/main" id="{DC0ED888-63EF-4CC0-8500-9C8DB672FEC2}"/>
-              </a:ext>
-            </a:extLst>
-          </p:cNvPr>
+          <p:cNvPr id="2" name="Title 1"/>
           <p:cNvSpPr>
             <a:spLocks noGrp="1"/>
           </p:cNvSpPr>
@@ -1536,22 +1335,16 @@
           <a:lstStyle/>
           <a:p>
             <a:r>
-              <a:rPr lang="en-US"/>
+              <a:rPr lang="en-US" smtClean="0"/>
               <a:t>Click to edit Master title style</a:t>
             </a:r>
-            <a:endParaRPr lang="en-SG"/>
-          </a:p>
-        </p:txBody>
-      </p:sp>
-      <p:sp>
-        <p:nvSpPr>
-          <p:cNvPr id="3" name="Text Placeholder 2">
-            <a:extLst>
-              <a:ext uri="{FF2B5EF4-FFF2-40B4-BE49-F238E27FC236}">
-                <a16:creationId xmlns:a16="http://schemas.microsoft.com/office/drawing/2014/main" id="{3C33BC1E-FB79-4906-A967-9C7046C6D272}"/>
-              </a:ext>
-            </a:extLst>
-          </p:cNvPr>
+            <a:endParaRPr lang="en-US"/>
+          </a:p>
+        </p:txBody>
+      </p:sp>
+      <p:sp>
+        <p:nvSpPr>
+          <p:cNvPr id="3" name="Text Placeholder 2"/>
           <p:cNvSpPr>
             <a:spLocks noGrp="1"/>
           </p:cNvSpPr>
@@ -1608,7 +1401,7 @@
           <a:p>
             <a:pPr lvl="0"/>
             <a:r>
-              <a:rPr lang="en-US"/>
+              <a:rPr lang="en-US" smtClean="0"/>
               <a:t>Edit Master text styles</a:t>
             </a:r>
           </a:p>
@@ -1616,13 +1409,7 @@
       </p:sp>
       <p:sp>
         <p:nvSpPr>
-          <p:cNvPr id="4" name="Content Placeholder 3">
-            <a:extLst>
-              <a:ext uri="{FF2B5EF4-FFF2-40B4-BE49-F238E27FC236}">
-                <a16:creationId xmlns:a16="http://schemas.microsoft.com/office/drawing/2014/main" id="{697A4EC6-1C42-4BA4-8108-32579276C17B}"/>
-              </a:ext>
-            </a:extLst>
-          </p:cNvPr>
+          <p:cNvPr id="4" name="Content Placeholder 3"/>
           <p:cNvSpPr>
             <a:spLocks noGrp="1"/>
           </p:cNvSpPr>
@@ -1642,50 +1429,44 @@
           <a:p>
             <a:pPr lvl="0"/>
             <a:r>
-              <a:rPr lang="en-US"/>
+              <a:rPr lang="en-US" smtClean="0"/>
               <a:t>Edit Master text styles</a:t>
             </a:r>
           </a:p>
           <a:p>
             <a:pPr lvl="1"/>
             <a:r>
-              <a:rPr lang="en-US"/>
+              <a:rPr lang="en-US" smtClean="0"/>
               <a:t>Second level</a:t>
             </a:r>
           </a:p>
           <a:p>
             <a:pPr lvl="2"/>
             <a:r>
-              <a:rPr lang="en-US"/>
+              <a:rPr lang="en-US" smtClean="0"/>
               <a:t>Third level</a:t>
             </a:r>
           </a:p>
           <a:p>
             <a:pPr lvl="3"/>
             <a:r>
-              <a:rPr lang="en-US"/>
+              <a:rPr lang="en-US" smtClean="0"/>
               <a:t>Fourth level</a:t>
             </a:r>
           </a:p>
           <a:p>
             <a:pPr lvl="4"/>
             <a:r>
-              <a:rPr lang="en-US"/>
+              <a:rPr lang="en-US" smtClean="0"/>
               <a:t>Fifth level</a:t>
             </a:r>
-            <a:endParaRPr lang="en-SG"/>
-          </a:p>
-        </p:txBody>
-      </p:sp>
-      <p:sp>
-        <p:nvSpPr>
-          <p:cNvPr id="5" name="Text Placeholder 4">
-            <a:extLst>
-              <a:ext uri="{FF2B5EF4-FFF2-40B4-BE49-F238E27FC236}">
-                <a16:creationId xmlns:a16="http://schemas.microsoft.com/office/drawing/2014/main" id="{8A2CA209-B9F5-4E1E-B302-74CC2D4CFDFB}"/>
-              </a:ext>
-            </a:extLst>
-          </p:cNvPr>
+            <a:endParaRPr lang="en-US"/>
+          </a:p>
+        </p:txBody>
+      </p:sp>
+      <p:sp>
+        <p:nvSpPr>
+          <p:cNvPr id="5" name="Text Placeholder 4"/>
           <p:cNvSpPr>
             <a:spLocks noGrp="1"/>
           </p:cNvSpPr>
@@ -1742,7 +1523,7 @@
           <a:p>
             <a:pPr lvl="0"/>
             <a:r>
-              <a:rPr lang="en-US"/>
+              <a:rPr lang="en-US" smtClean="0"/>
               <a:t>Edit Master text styles</a:t>
             </a:r>
           </a:p>
@@ -1750,13 +1531,7 @@
       </p:sp>
       <p:sp>
         <p:nvSpPr>
-          <p:cNvPr id="6" name="Content Placeholder 5">
-            <a:extLst>
-              <a:ext uri="{FF2B5EF4-FFF2-40B4-BE49-F238E27FC236}">
-                <a16:creationId xmlns:a16="http://schemas.microsoft.com/office/drawing/2014/main" id="{0E6E876D-DC4D-40EE-BA38-CD01089602CF}"/>
-              </a:ext>
-            </a:extLst>
-          </p:cNvPr>
+          <p:cNvPr id="6" name="Content Placeholder 5"/>
           <p:cNvSpPr>
             <a:spLocks noGrp="1"/>
           </p:cNvSpPr>
@@ -1776,50 +1551,44 @@
           <a:p>
             <a:pPr lvl="0"/>
             <a:r>
-              <a:rPr lang="en-US"/>
+              <a:rPr lang="en-US" smtClean="0"/>
               <a:t>Edit Master text styles</a:t>
             </a:r>
           </a:p>
           <a:p>
             <a:pPr lvl="1"/>
             <a:r>
-              <a:rPr lang="en-US"/>
+              <a:rPr lang="en-US" smtClean="0"/>
               <a:t>Second level</a:t>
             </a:r>
           </a:p>
           <a:p>
             <a:pPr lvl="2"/>
             <a:r>
-              <a:rPr lang="en-US"/>
+              <a:rPr lang="en-US" smtClean="0"/>
               <a:t>Third level</a:t>
             </a:r>
           </a:p>
           <a:p>
             <a:pPr lvl="3"/>
             <a:r>
-              <a:rPr lang="en-US"/>
+              <a:rPr lang="en-US" smtClean="0"/>
               <a:t>Fourth level</a:t>
             </a:r>
           </a:p>
           <a:p>
             <a:pPr lvl="4"/>
             <a:r>
-              <a:rPr lang="en-US"/>
+              <a:rPr lang="en-US" smtClean="0"/>
               <a:t>Fifth level</a:t>
             </a:r>
-            <a:endParaRPr lang="en-SG"/>
-          </a:p>
-        </p:txBody>
-      </p:sp>
-      <p:sp>
-        <p:nvSpPr>
-          <p:cNvPr id="7" name="Date Placeholder 6">
-            <a:extLst>
-              <a:ext uri="{FF2B5EF4-FFF2-40B4-BE49-F238E27FC236}">
-                <a16:creationId xmlns:a16="http://schemas.microsoft.com/office/drawing/2014/main" id="{F24E1D97-8B3C-41A1-B0BA-BA833AD8BC7C}"/>
-              </a:ext>
-            </a:extLst>
-          </p:cNvPr>
+            <a:endParaRPr lang="en-US"/>
+          </a:p>
+        </p:txBody>
+      </p:sp>
+      <p:sp>
+        <p:nvSpPr>
+          <p:cNvPr id="7" name="Date Placeholder 6"/>
           <p:cNvSpPr>
             <a:spLocks noGrp="1"/>
           </p:cNvSpPr>
@@ -1832,23 +1601,17 @@
           <a:bodyPr/>
           <a:lstStyle/>
           <a:p>
-            <a:fld id="{03EC4E3E-8101-482F-A883-8B55DAFF7C07}" type="datetimeFigureOut">
-              <a:rPr lang="en-SG" smtClean="0"/>
-              <a:t>22/4/2018</a:t>
+            <a:fld id="{8B2F8DF3-7CFE-4C7E-A62E-FD00A81FB0CD}" type="datetimeFigureOut">
+              <a:rPr lang="en-US" smtClean="0"/>
+              <a:t>7/1/2018</a:t>
             </a:fld>
-            <a:endParaRPr lang="en-SG"/>
-          </a:p>
-        </p:txBody>
-      </p:sp>
-      <p:sp>
-        <p:nvSpPr>
-          <p:cNvPr id="8" name="Footer Placeholder 7">
-            <a:extLst>
-              <a:ext uri="{FF2B5EF4-FFF2-40B4-BE49-F238E27FC236}">
-                <a16:creationId xmlns:a16="http://schemas.microsoft.com/office/drawing/2014/main" id="{FC358D8F-B7DA-4DCE-AC8F-706450EEC0DC}"/>
-              </a:ext>
-            </a:extLst>
-          </p:cNvPr>
+            <a:endParaRPr lang="en-US"/>
+          </a:p>
+        </p:txBody>
+      </p:sp>
+      <p:sp>
+        <p:nvSpPr>
+          <p:cNvPr id="8" name="Footer Placeholder 7"/>
           <p:cNvSpPr>
             <a:spLocks noGrp="1"/>
           </p:cNvSpPr>
@@ -1861,19 +1624,13 @@
           <a:bodyPr/>
           <a:lstStyle/>
           <a:p>
-            <a:endParaRPr lang="en-SG"/>
-          </a:p>
-        </p:txBody>
-      </p:sp>
-      <p:sp>
-        <p:nvSpPr>
-          <p:cNvPr id="9" name="Slide Number Placeholder 8">
-            <a:extLst>
-              <a:ext uri="{FF2B5EF4-FFF2-40B4-BE49-F238E27FC236}">
-                <a16:creationId xmlns:a16="http://schemas.microsoft.com/office/drawing/2014/main" id="{40CE354E-2C73-4B6F-8AEB-14D1378A77E1}"/>
-              </a:ext>
-            </a:extLst>
-          </p:cNvPr>
+            <a:endParaRPr lang="en-US"/>
+          </a:p>
+        </p:txBody>
+      </p:sp>
+      <p:sp>
+        <p:nvSpPr>
+          <p:cNvPr id="9" name="Slide Number Placeholder 8"/>
           <p:cNvSpPr>
             <a:spLocks noGrp="1"/>
           </p:cNvSpPr>
@@ -1886,18 +1643,18 @@
           <a:bodyPr/>
           <a:lstStyle/>
           <a:p>
-            <a:fld id="{F362EEBD-19F8-4A23-B3A5-01C987241991}" type="slidenum">
-              <a:rPr lang="en-SG" smtClean="0"/>
+            <a:fld id="{4F0D787A-F430-48DF-94CC-863D09AEAED8}" type="slidenum">
+              <a:rPr lang="en-US" smtClean="0"/>
               <a:t>‹#›</a:t>
             </a:fld>
-            <a:endParaRPr lang="en-SG"/>
+            <a:endParaRPr lang="en-US"/>
           </a:p>
         </p:txBody>
       </p:sp>
     </p:spTree>
     <p:extLst>
       <p:ext uri="{BB962C8B-B14F-4D97-AF65-F5344CB8AC3E}">
-        <p14:creationId xmlns:p14="http://schemas.microsoft.com/office/powerpoint/2010/main" val="937260254"/>
+        <p14:creationId xmlns:p14="http://schemas.microsoft.com/office/powerpoint/2010/main" val="37334253"/>
       </p:ext>
     </p:extLst>
   </p:cSld>
@@ -1926,13 +1683,7 @@
       </p:grpSpPr>
       <p:sp>
         <p:nvSpPr>
-          <p:cNvPr id="2" name="Title 1">
-            <a:extLst>
-              <a:ext uri="{FF2B5EF4-FFF2-40B4-BE49-F238E27FC236}">
-                <a16:creationId xmlns:a16="http://schemas.microsoft.com/office/drawing/2014/main" id="{17D9D381-288C-43FB-86C2-AAA4FCFD43FD}"/>
-              </a:ext>
-            </a:extLst>
-          </p:cNvPr>
+          <p:cNvPr id="2" name="Title 1"/>
           <p:cNvSpPr>
             <a:spLocks noGrp="1"/>
           </p:cNvSpPr>
@@ -1946,22 +1697,16 @@
           <a:lstStyle/>
           <a:p>
             <a:r>
-              <a:rPr lang="en-US"/>
+              <a:rPr lang="en-US" smtClean="0"/>
               <a:t>Click to edit Master title style</a:t>
             </a:r>
-            <a:endParaRPr lang="en-SG"/>
-          </a:p>
-        </p:txBody>
-      </p:sp>
-      <p:sp>
-        <p:nvSpPr>
-          <p:cNvPr id="3" name="Date Placeholder 2">
-            <a:extLst>
-              <a:ext uri="{FF2B5EF4-FFF2-40B4-BE49-F238E27FC236}">
-                <a16:creationId xmlns:a16="http://schemas.microsoft.com/office/drawing/2014/main" id="{A85D75E5-4830-4F75-8132-91122609F925}"/>
-              </a:ext>
-            </a:extLst>
-          </p:cNvPr>
+            <a:endParaRPr lang="en-US"/>
+          </a:p>
+        </p:txBody>
+      </p:sp>
+      <p:sp>
+        <p:nvSpPr>
+          <p:cNvPr id="3" name="Date Placeholder 2"/>
           <p:cNvSpPr>
             <a:spLocks noGrp="1"/>
           </p:cNvSpPr>
@@ -1974,23 +1719,17 @@
           <a:bodyPr/>
           <a:lstStyle/>
           <a:p>
-            <a:fld id="{03EC4E3E-8101-482F-A883-8B55DAFF7C07}" type="datetimeFigureOut">
-              <a:rPr lang="en-SG" smtClean="0"/>
-              <a:t>22/4/2018</a:t>
+            <a:fld id="{8B2F8DF3-7CFE-4C7E-A62E-FD00A81FB0CD}" type="datetimeFigureOut">
+              <a:rPr lang="en-US" smtClean="0"/>
+              <a:t>7/1/2018</a:t>
             </a:fld>
-            <a:endParaRPr lang="en-SG"/>
-          </a:p>
-        </p:txBody>
-      </p:sp>
-      <p:sp>
-        <p:nvSpPr>
-          <p:cNvPr id="4" name="Footer Placeholder 3">
-            <a:extLst>
-              <a:ext uri="{FF2B5EF4-FFF2-40B4-BE49-F238E27FC236}">
-                <a16:creationId xmlns:a16="http://schemas.microsoft.com/office/drawing/2014/main" id="{0C14A42C-834F-43EA-8053-84D5A665CEE7}"/>
-              </a:ext>
-            </a:extLst>
-          </p:cNvPr>
+            <a:endParaRPr lang="en-US"/>
+          </a:p>
+        </p:txBody>
+      </p:sp>
+      <p:sp>
+        <p:nvSpPr>
+          <p:cNvPr id="4" name="Footer Placeholder 3"/>
           <p:cNvSpPr>
             <a:spLocks noGrp="1"/>
           </p:cNvSpPr>
@@ -2003,19 +1742,13 @@
           <a:bodyPr/>
           <a:lstStyle/>
           <a:p>
-            <a:endParaRPr lang="en-SG"/>
-          </a:p>
-        </p:txBody>
-      </p:sp>
-      <p:sp>
-        <p:nvSpPr>
-          <p:cNvPr id="5" name="Slide Number Placeholder 4">
-            <a:extLst>
-              <a:ext uri="{FF2B5EF4-FFF2-40B4-BE49-F238E27FC236}">
-                <a16:creationId xmlns:a16="http://schemas.microsoft.com/office/drawing/2014/main" id="{38C1E789-CDA9-48FF-A7BA-F21E31600226}"/>
-              </a:ext>
-            </a:extLst>
-          </p:cNvPr>
+            <a:endParaRPr lang="en-US"/>
+          </a:p>
+        </p:txBody>
+      </p:sp>
+      <p:sp>
+        <p:nvSpPr>
+          <p:cNvPr id="5" name="Slide Number Placeholder 4"/>
           <p:cNvSpPr>
             <a:spLocks noGrp="1"/>
           </p:cNvSpPr>
@@ -2028,18 +1761,18 @@
           <a:bodyPr/>
           <a:lstStyle/>
           <a:p>
-            <a:fld id="{F362EEBD-19F8-4A23-B3A5-01C987241991}" type="slidenum">
-              <a:rPr lang="en-SG" smtClean="0"/>
+            <a:fld id="{4F0D787A-F430-48DF-94CC-863D09AEAED8}" type="slidenum">
+              <a:rPr lang="en-US" smtClean="0"/>
               <a:t>‹#›</a:t>
             </a:fld>
-            <a:endParaRPr lang="en-SG"/>
+            <a:endParaRPr lang="en-US"/>
           </a:p>
         </p:txBody>
       </p:sp>
     </p:spTree>
     <p:extLst>
       <p:ext uri="{BB962C8B-B14F-4D97-AF65-F5344CB8AC3E}">
-        <p14:creationId xmlns:p14="http://schemas.microsoft.com/office/powerpoint/2010/main" val="2713172575"/>
+        <p14:creationId xmlns:p14="http://schemas.microsoft.com/office/powerpoint/2010/main" val="3414074619"/>
       </p:ext>
     </p:extLst>
   </p:cSld>
@@ -2068,13 +1801,7 @@
       </p:grpSpPr>
       <p:sp>
         <p:nvSpPr>
-          <p:cNvPr id="2" name="Date Placeholder 1">
-            <a:extLst>
-              <a:ext uri="{FF2B5EF4-FFF2-40B4-BE49-F238E27FC236}">
-                <a16:creationId xmlns:a16="http://schemas.microsoft.com/office/drawing/2014/main" id="{21A40ECD-0ABD-4F35-B481-512A01FC643D}"/>
-              </a:ext>
-            </a:extLst>
-          </p:cNvPr>
+          <p:cNvPr id="2" name="Date Placeholder 1"/>
           <p:cNvSpPr>
             <a:spLocks noGrp="1"/>
           </p:cNvSpPr>
@@ -2087,23 +1814,17 @@
           <a:bodyPr/>
           <a:lstStyle/>
           <a:p>
-            <a:fld id="{03EC4E3E-8101-482F-A883-8B55DAFF7C07}" type="datetimeFigureOut">
-              <a:rPr lang="en-SG" smtClean="0"/>
-              <a:t>22/4/2018</a:t>
+            <a:fld id="{8B2F8DF3-7CFE-4C7E-A62E-FD00A81FB0CD}" type="datetimeFigureOut">
+              <a:rPr lang="en-US" smtClean="0"/>
+              <a:t>7/1/2018</a:t>
             </a:fld>
-            <a:endParaRPr lang="en-SG"/>
-          </a:p>
-        </p:txBody>
-      </p:sp>
-      <p:sp>
-        <p:nvSpPr>
-          <p:cNvPr id="3" name="Footer Placeholder 2">
-            <a:extLst>
-              <a:ext uri="{FF2B5EF4-FFF2-40B4-BE49-F238E27FC236}">
-                <a16:creationId xmlns:a16="http://schemas.microsoft.com/office/drawing/2014/main" id="{D44B8F11-A412-4FA6-9070-B9C742F699F3}"/>
-              </a:ext>
-            </a:extLst>
-          </p:cNvPr>
+            <a:endParaRPr lang="en-US"/>
+          </a:p>
+        </p:txBody>
+      </p:sp>
+      <p:sp>
+        <p:nvSpPr>
+          <p:cNvPr id="3" name="Footer Placeholder 2"/>
           <p:cNvSpPr>
             <a:spLocks noGrp="1"/>
           </p:cNvSpPr>
@@ -2116,19 +1837,13 @@
           <a:bodyPr/>
           <a:lstStyle/>
           <a:p>
-            <a:endParaRPr lang="en-SG"/>
-          </a:p>
-        </p:txBody>
-      </p:sp>
-      <p:sp>
-        <p:nvSpPr>
-          <p:cNvPr id="4" name="Slide Number Placeholder 3">
-            <a:extLst>
-              <a:ext uri="{FF2B5EF4-FFF2-40B4-BE49-F238E27FC236}">
-                <a16:creationId xmlns:a16="http://schemas.microsoft.com/office/drawing/2014/main" id="{E3EA086A-DA0B-4378-A128-F213644ECB0C}"/>
-              </a:ext>
-            </a:extLst>
-          </p:cNvPr>
+            <a:endParaRPr lang="en-US"/>
+          </a:p>
+        </p:txBody>
+      </p:sp>
+      <p:sp>
+        <p:nvSpPr>
+          <p:cNvPr id="4" name="Slide Number Placeholder 3"/>
           <p:cNvSpPr>
             <a:spLocks noGrp="1"/>
           </p:cNvSpPr>
@@ -2141,18 +1856,18 @@
           <a:bodyPr/>
           <a:lstStyle/>
           <a:p>
-            <a:fld id="{F362EEBD-19F8-4A23-B3A5-01C987241991}" type="slidenum">
-              <a:rPr lang="en-SG" smtClean="0"/>
+            <a:fld id="{4F0D787A-F430-48DF-94CC-863D09AEAED8}" type="slidenum">
+              <a:rPr lang="en-US" smtClean="0"/>
               <a:t>‹#›</a:t>
             </a:fld>
-            <a:endParaRPr lang="en-SG"/>
+            <a:endParaRPr lang="en-US"/>
           </a:p>
         </p:txBody>
       </p:sp>
     </p:spTree>
     <p:extLst>
       <p:ext uri="{BB962C8B-B14F-4D97-AF65-F5344CB8AC3E}">
-        <p14:creationId xmlns:p14="http://schemas.microsoft.com/office/powerpoint/2010/main" val="2808055610"/>
+        <p14:creationId xmlns:p14="http://schemas.microsoft.com/office/powerpoint/2010/main" val="4002954170"/>
       </p:ext>
     </p:extLst>
   </p:cSld>
@@ -2181,13 +1896,7 @@
       </p:grpSpPr>
       <p:sp>
         <p:nvSpPr>
-          <p:cNvPr id="2" name="Title 1">
-            <a:extLst>
-              <a:ext uri="{FF2B5EF4-FFF2-40B4-BE49-F238E27FC236}">
-                <a16:creationId xmlns:a16="http://schemas.microsoft.com/office/drawing/2014/main" id="{765D165A-D423-4E89-A075-D59A9FB59792}"/>
-              </a:ext>
-            </a:extLst>
-          </p:cNvPr>
+          <p:cNvPr id="2" name="Title 1"/>
           <p:cNvSpPr>
             <a:spLocks noGrp="1"/>
           </p:cNvSpPr>
@@ -2210,22 +1919,16 @@
           </a:lstStyle>
           <a:p>
             <a:r>
-              <a:rPr lang="en-US"/>
+              <a:rPr lang="en-US" smtClean="0"/>
               <a:t>Click to edit Master title style</a:t>
             </a:r>
-            <a:endParaRPr lang="en-SG"/>
-          </a:p>
-        </p:txBody>
-      </p:sp>
-      <p:sp>
-        <p:nvSpPr>
-          <p:cNvPr id="3" name="Content Placeholder 2">
-            <a:extLst>
-              <a:ext uri="{FF2B5EF4-FFF2-40B4-BE49-F238E27FC236}">
-                <a16:creationId xmlns:a16="http://schemas.microsoft.com/office/drawing/2014/main" id="{77C2A5CC-2876-49CA-993D-F4F73FC9D2B0}"/>
-              </a:ext>
-            </a:extLst>
-          </p:cNvPr>
+            <a:endParaRPr lang="en-US"/>
+          </a:p>
+        </p:txBody>
+      </p:sp>
+      <p:sp>
+        <p:nvSpPr>
+          <p:cNvPr id="3" name="Content Placeholder 2"/>
           <p:cNvSpPr>
             <a:spLocks noGrp="1"/>
           </p:cNvSpPr>
@@ -2273,50 +1976,44 @@
           <a:p>
             <a:pPr lvl="0"/>
             <a:r>
-              <a:rPr lang="en-US"/>
+              <a:rPr lang="en-US" smtClean="0"/>
               <a:t>Edit Master text styles</a:t>
             </a:r>
           </a:p>
           <a:p>
             <a:pPr lvl="1"/>
             <a:r>
-              <a:rPr lang="en-US"/>
+              <a:rPr lang="en-US" smtClean="0"/>
               <a:t>Second level</a:t>
             </a:r>
           </a:p>
           <a:p>
             <a:pPr lvl="2"/>
             <a:r>
-              <a:rPr lang="en-US"/>
+              <a:rPr lang="en-US" smtClean="0"/>
               <a:t>Third level</a:t>
             </a:r>
           </a:p>
           <a:p>
             <a:pPr lvl="3"/>
             <a:r>
-              <a:rPr lang="en-US"/>
+              <a:rPr lang="en-US" smtClean="0"/>
               <a:t>Fourth level</a:t>
             </a:r>
           </a:p>
           <a:p>
             <a:pPr lvl="4"/>
             <a:r>
-              <a:rPr lang="en-US"/>
+              <a:rPr lang="en-US" smtClean="0"/>
               <a:t>Fifth level</a:t>
             </a:r>
-            <a:endParaRPr lang="en-SG"/>
-          </a:p>
-        </p:txBody>
-      </p:sp>
-      <p:sp>
-        <p:nvSpPr>
-          <p:cNvPr id="4" name="Text Placeholder 3">
-            <a:extLst>
-              <a:ext uri="{FF2B5EF4-FFF2-40B4-BE49-F238E27FC236}">
-                <a16:creationId xmlns:a16="http://schemas.microsoft.com/office/drawing/2014/main" id="{7B4DE2E8-CCF6-4E88-A858-05A04CD0D736}"/>
-              </a:ext>
-            </a:extLst>
-          </p:cNvPr>
+            <a:endParaRPr lang="en-US"/>
+          </a:p>
+        </p:txBody>
+      </p:sp>
+      <p:sp>
+        <p:nvSpPr>
+          <p:cNvPr id="4" name="Text Placeholder 3"/>
           <p:cNvSpPr>
             <a:spLocks noGrp="1"/>
           </p:cNvSpPr>
@@ -2373,7 +2070,7 @@
           <a:p>
             <a:pPr lvl="0"/>
             <a:r>
-              <a:rPr lang="en-US"/>
+              <a:rPr lang="en-US" smtClean="0"/>
               <a:t>Edit Master text styles</a:t>
             </a:r>
           </a:p>
@@ -2381,13 +2078,7 @@
       </p:sp>
       <p:sp>
         <p:nvSpPr>
-          <p:cNvPr id="5" name="Date Placeholder 4">
-            <a:extLst>
-              <a:ext uri="{FF2B5EF4-FFF2-40B4-BE49-F238E27FC236}">
-                <a16:creationId xmlns:a16="http://schemas.microsoft.com/office/drawing/2014/main" id="{CAEBEC1E-DE48-4B55-A846-F8248E381145}"/>
-              </a:ext>
-            </a:extLst>
-          </p:cNvPr>
+          <p:cNvPr id="5" name="Date Placeholder 4"/>
           <p:cNvSpPr>
             <a:spLocks noGrp="1"/>
           </p:cNvSpPr>
@@ -2400,23 +2091,17 @@
           <a:bodyPr/>
           <a:lstStyle/>
           <a:p>
-            <a:fld id="{03EC4E3E-8101-482F-A883-8B55DAFF7C07}" type="datetimeFigureOut">
-              <a:rPr lang="en-SG" smtClean="0"/>
-              <a:t>22/4/2018</a:t>
+            <a:fld id="{8B2F8DF3-7CFE-4C7E-A62E-FD00A81FB0CD}" type="datetimeFigureOut">
+              <a:rPr lang="en-US" smtClean="0"/>
+              <a:t>7/1/2018</a:t>
             </a:fld>
-            <a:endParaRPr lang="en-SG"/>
-          </a:p>
-        </p:txBody>
-      </p:sp>
-      <p:sp>
-        <p:nvSpPr>
-          <p:cNvPr id="6" name="Footer Placeholder 5">
-            <a:extLst>
-              <a:ext uri="{FF2B5EF4-FFF2-40B4-BE49-F238E27FC236}">
-                <a16:creationId xmlns:a16="http://schemas.microsoft.com/office/drawing/2014/main" id="{945A6E8B-6BC2-49E9-B4E5-DAD3F7A1A1BF}"/>
-              </a:ext>
-            </a:extLst>
-          </p:cNvPr>
+            <a:endParaRPr lang="en-US"/>
+          </a:p>
+        </p:txBody>
+      </p:sp>
+      <p:sp>
+        <p:nvSpPr>
+          <p:cNvPr id="6" name="Footer Placeholder 5"/>
           <p:cNvSpPr>
             <a:spLocks noGrp="1"/>
           </p:cNvSpPr>
@@ -2429,19 +2114,13 @@
           <a:bodyPr/>
           <a:lstStyle/>
           <a:p>
-            <a:endParaRPr lang="en-SG"/>
-          </a:p>
-        </p:txBody>
-      </p:sp>
-      <p:sp>
-        <p:nvSpPr>
-          <p:cNvPr id="7" name="Slide Number Placeholder 6">
-            <a:extLst>
-              <a:ext uri="{FF2B5EF4-FFF2-40B4-BE49-F238E27FC236}">
-                <a16:creationId xmlns:a16="http://schemas.microsoft.com/office/drawing/2014/main" id="{E5CF739B-EDF0-43CE-A87E-C49F040C85A5}"/>
-              </a:ext>
-            </a:extLst>
-          </p:cNvPr>
+            <a:endParaRPr lang="en-US"/>
+          </a:p>
+        </p:txBody>
+      </p:sp>
+      <p:sp>
+        <p:nvSpPr>
+          <p:cNvPr id="7" name="Slide Number Placeholder 6"/>
           <p:cNvSpPr>
             <a:spLocks noGrp="1"/>
           </p:cNvSpPr>
@@ -2454,18 +2133,18 @@
           <a:bodyPr/>
           <a:lstStyle/>
           <a:p>
-            <a:fld id="{F362EEBD-19F8-4A23-B3A5-01C987241991}" type="slidenum">
-              <a:rPr lang="en-SG" smtClean="0"/>
+            <a:fld id="{4F0D787A-F430-48DF-94CC-863D09AEAED8}" type="slidenum">
+              <a:rPr lang="en-US" smtClean="0"/>
               <a:t>‹#›</a:t>
             </a:fld>
-            <a:endParaRPr lang="en-SG"/>
+            <a:endParaRPr lang="en-US"/>
           </a:p>
         </p:txBody>
       </p:sp>
     </p:spTree>
     <p:extLst>
       <p:ext uri="{BB962C8B-B14F-4D97-AF65-F5344CB8AC3E}">
-        <p14:creationId xmlns:p14="http://schemas.microsoft.com/office/powerpoint/2010/main" val="4039745741"/>
+        <p14:creationId xmlns:p14="http://schemas.microsoft.com/office/powerpoint/2010/main" val="401796226"/>
       </p:ext>
     </p:extLst>
   </p:cSld>
@@ -2494,13 +2173,7 @@
       </p:grpSpPr>
       <p:sp>
         <p:nvSpPr>
-          <p:cNvPr id="2" name="Title 1">
-            <a:extLst>
-              <a:ext uri="{FF2B5EF4-FFF2-40B4-BE49-F238E27FC236}">
-                <a16:creationId xmlns:a16="http://schemas.microsoft.com/office/drawing/2014/main" id="{0091F49F-E849-4834-84DB-61CF2F2652D4}"/>
-              </a:ext>
-            </a:extLst>
-          </p:cNvPr>
+          <p:cNvPr id="2" name="Title 1"/>
           <p:cNvSpPr>
             <a:spLocks noGrp="1"/>
           </p:cNvSpPr>
@@ -2523,22 +2196,16 @@
           </a:lstStyle>
           <a:p>
             <a:r>
-              <a:rPr lang="en-US"/>
+              <a:rPr lang="en-US" smtClean="0"/>
               <a:t>Click to edit Master title style</a:t>
             </a:r>
-            <a:endParaRPr lang="en-SG"/>
-          </a:p>
-        </p:txBody>
-      </p:sp>
-      <p:sp>
-        <p:nvSpPr>
-          <p:cNvPr id="3" name="Picture Placeholder 2">
-            <a:extLst>
-              <a:ext uri="{FF2B5EF4-FFF2-40B4-BE49-F238E27FC236}">
-                <a16:creationId xmlns:a16="http://schemas.microsoft.com/office/drawing/2014/main" id="{631D62A9-3420-4F1C-9EB9-09EF85106E78}"/>
-              </a:ext>
-            </a:extLst>
-          </p:cNvPr>
+            <a:endParaRPr lang="en-US"/>
+          </a:p>
+        </p:txBody>
+      </p:sp>
+      <p:sp>
+        <p:nvSpPr>
+          <p:cNvPr id="3" name="Picture Placeholder 2"/>
           <p:cNvSpPr>
             <a:spLocks noGrp="1"/>
           </p:cNvSpPr>
@@ -2593,19 +2260,13 @@
             </a:lvl9pPr>
           </a:lstStyle>
           <a:p>
-            <a:endParaRPr lang="en-SG"/>
-          </a:p>
-        </p:txBody>
-      </p:sp>
-      <p:sp>
-        <p:nvSpPr>
-          <p:cNvPr id="4" name="Text Placeholder 3">
-            <a:extLst>
-              <a:ext uri="{FF2B5EF4-FFF2-40B4-BE49-F238E27FC236}">
-                <a16:creationId xmlns:a16="http://schemas.microsoft.com/office/drawing/2014/main" id="{E450EC8D-D7F4-45FC-AD8C-2E198A32CCA2}"/>
-              </a:ext>
-            </a:extLst>
-          </p:cNvPr>
+            <a:endParaRPr lang="en-US"/>
+          </a:p>
+        </p:txBody>
+      </p:sp>
+      <p:sp>
+        <p:nvSpPr>
+          <p:cNvPr id="4" name="Text Placeholder 3"/>
           <p:cNvSpPr>
             <a:spLocks noGrp="1"/>
           </p:cNvSpPr>
@@ -2662,7 +2323,7 @@
           <a:p>
             <a:pPr lvl="0"/>
             <a:r>
-              <a:rPr lang="en-US"/>
+              <a:rPr lang="en-US" smtClean="0"/>
               <a:t>Edit Master text styles</a:t>
             </a:r>
           </a:p>
@@ -2670,13 +2331,7 @@
       </p:sp>
       <p:sp>
         <p:nvSpPr>
-          <p:cNvPr id="5" name="Date Placeholder 4">
-            <a:extLst>
-              <a:ext uri="{FF2B5EF4-FFF2-40B4-BE49-F238E27FC236}">
-                <a16:creationId xmlns:a16="http://schemas.microsoft.com/office/drawing/2014/main" id="{7A73D668-ABF4-41FE-958C-542EEDC5F6CC}"/>
-              </a:ext>
-            </a:extLst>
-          </p:cNvPr>
+          <p:cNvPr id="5" name="Date Placeholder 4"/>
           <p:cNvSpPr>
             <a:spLocks noGrp="1"/>
           </p:cNvSpPr>
@@ -2689,23 +2344,17 @@
           <a:bodyPr/>
           <a:lstStyle/>
           <a:p>
-            <a:fld id="{03EC4E3E-8101-482F-A883-8B55DAFF7C07}" type="datetimeFigureOut">
-              <a:rPr lang="en-SG" smtClean="0"/>
-              <a:t>22/4/2018</a:t>
+            <a:fld id="{8B2F8DF3-7CFE-4C7E-A62E-FD00A81FB0CD}" type="datetimeFigureOut">
+              <a:rPr lang="en-US" smtClean="0"/>
+              <a:t>7/1/2018</a:t>
             </a:fld>
-            <a:endParaRPr lang="en-SG"/>
-          </a:p>
-        </p:txBody>
-      </p:sp>
-      <p:sp>
-        <p:nvSpPr>
-          <p:cNvPr id="6" name="Footer Placeholder 5">
-            <a:extLst>
-              <a:ext uri="{FF2B5EF4-FFF2-40B4-BE49-F238E27FC236}">
-                <a16:creationId xmlns:a16="http://schemas.microsoft.com/office/drawing/2014/main" id="{F4A83B1C-93E7-4D32-9D1B-3F37403B1ACD}"/>
-              </a:ext>
-            </a:extLst>
-          </p:cNvPr>
+            <a:endParaRPr lang="en-US"/>
+          </a:p>
+        </p:txBody>
+      </p:sp>
+      <p:sp>
+        <p:nvSpPr>
+          <p:cNvPr id="6" name="Footer Placeholder 5"/>
           <p:cNvSpPr>
             <a:spLocks noGrp="1"/>
           </p:cNvSpPr>
@@ -2718,19 +2367,13 @@
           <a:bodyPr/>
           <a:lstStyle/>
           <a:p>
-            <a:endParaRPr lang="en-SG"/>
-          </a:p>
-        </p:txBody>
-      </p:sp>
-      <p:sp>
-        <p:nvSpPr>
-          <p:cNvPr id="7" name="Slide Number Placeholder 6">
-            <a:extLst>
-              <a:ext uri="{FF2B5EF4-FFF2-40B4-BE49-F238E27FC236}">
-                <a16:creationId xmlns:a16="http://schemas.microsoft.com/office/drawing/2014/main" id="{C6AF73BE-F17B-487B-943B-28655BB51C92}"/>
-              </a:ext>
-            </a:extLst>
-          </p:cNvPr>
+            <a:endParaRPr lang="en-US"/>
+          </a:p>
+        </p:txBody>
+      </p:sp>
+      <p:sp>
+        <p:nvSpPr>
+          <p:cNvPr id="7" name="Slide Number Placeholder 6"/>
           <p:cNvSpPr>
             <a:spLocks noGrp="1"/>
           </p:cNvSpPr>
@@ -2743,18 +2386,18 @@
           <a:bodyPr/>
           <a:lstStyle/>
           <a:p>
-            <a:fld id="{F362EEBD-19F8-4A23-B3A5-01C987241991}" type="slidenum">
-              <a:rPr lang="en-SG" smtClean="0"/>
+            <a:fld id="{4F0D787A-F430-48DF-94CC-863D09AEAED8}" type="slidenum">
+              <a:rPr lang="en-US" smtClean="0"/>
               <a:t>‹#›</a:t>
             </a:fld>
-            <a:endParaRPr lang="en-SG"/>
+            <a:endParaRPr lang="en-US"/>
           </a:p>
         </p:txBody>
       </p:sp>
     </p:spTree>
     <p:extLst>
       <p:ext uri="{BB962C8B-B14F-4D97-AF65-F5344CB8AC3E}">
-        <p14:creationId xmlns:p14="http://schemas.microsoft.com/office/powerpoint/2010/main" val="1851851517"/>
+        <p14:creationId xmlns:p14="http://schemas.microsoft.com/office/powerpoint/2010/main" val="1672239677"/>
       </p:ext>
     </p:extLst>
   </p:cSld>
@@ -2788,13 +2431,7 @@
       </p:grpSpPr>
       <p:sp>
         <p:nvSpPr>
-          <p:cNvPr id="2" name="Title Placeholder 1">
-            <a:extLst>
-              <a:ext uri="{FF2B5EF4-FFF2-40B4-BE49-F238E27FC236}">
-                <a16:creationId xmlns:a16="http://schemas.microsoft.com/office/drawing/2014/main" id="{96F7127E-5F47-4B37-9FDB-695AB14D9551}"/>
-              </a:ext>
-            </a:extLst>
-          </p:cNvPr>
+          <p:cNvPr id="2" name="Title Placeholder 1"/>
           <p:cNvSpPr>
             <a:spLocks noGrp="1"/>
           </p:cNvSpPr>
@@ -2818,22 +2455,16 @@
           <a:lstStyle/>
           <a:p>
             <a:r>
-              <a:rPr lang="en-US"/>
+              <a:rPr lang="en-US" smtClean="0"/>
               <a:t>Click to edit Master title style</a:t>
             </a:r>
-            <a:endParaRPr lang="en-SG"/>
-          </a:p>
-        </p:txBody>
-      </p:sp>
-      <p:sp>
-        <p:nvSpPr>
-          <p:cNvPr id="3" name="Text Placeholder 2">
-            <a:extLst>
-              <a:ext uri="{FF2B5EF4-FFF2-40B4-BE49-F238E27FC236}">
-                <a16:creationId xmlns:a16="http://schemas.microsoft.com/office/drawing/2014/main" id="{3BD20F0F-B303-4EE3-AF17-E303EA90B1A3}"/>
-              </a:ext>
-            </a:extLst>
-          </p:cNvPr>
+            <a:endParaRPr lang="en-US"/>
+          </a:p>
+        </p:txBody>
+      </p:sp>
+      <p:sp>
+        <p:nvSpPr>
+          <p:cNvPr id="3" name="Text Placeholder 2"/>
           <p:cNvSpPr>
             <a:spLocks noGrp="1"/>
           </p:cNvSpPr>
@@ -2858,50 +2489,44 @@
           <a:p>
             <a:pPr lvl="0"/>
             <a:r>
-              <a:rPr lang="en-US"/>
+              <a:rPr lang="en-US" smtClean="0"/>
               <a:t>Edit Master text styles</a:t>
             </a:r>
           </a:p>
           <a:p>
             <a:pPr lvl="1"/>
             <a:r>
-              <a:rPr lang="en-US"/>
+              <a:rPr lang="en-US" smtClean="0"/>
               <a:t>Second level</a:t>
             </a:r>
           </a:p>
           <a:p>
             <a:pPr lvl="2"/>
             <a:r>
-              <a:rPr lang="en-US"/>
+              <a:rPr lang="en-US" smtClean="0"/>
               <a:t>Third level</a:t>
             </a:r>
           </a:p>
           <a:p>
             <a:pPr lvl="3"/>
             <a:r>
-              <a:rPr lang="en-US"/>
+              <a:rPr lang="en-US" smtClean="0"/>
               <a:t>Fourth level</a:t>
             </a:r>
           </a:p>
           <a:p>
             <a:pPr lvl="4"/>
             <a:r>
-              <a:rPr lang="en-US"/>
+              <a:rPr lang="en-US" smtClean="0"/>
               <a:t>Fifth level</a:t>
             </a:r>
-            <a:endParaRPr lang="en-SG"/>
-          </a:p>
-        </p:txBody>
-      </p:sp>
-      <p:sp>
-        <p:nvSpPr>
-          <p:cNvPr id="4" name="Date Placeholder 3">
-            <a:extLst>
-              <a:ext uri="{FF2B5EF4-FFF2-40B4-BE49-F238E27FC236}">
-                <a16:creationId xmlns:a16="http://schemas.microsoft.com/office/drawing/2014/main" id="{7927ADFB-0C7F-4333-A456-815FAB4B0315}"/>
-              </a:ext>
-            </a:extLst>
-          </p:cNvPr>
+            <a:endParaRPr lang="en-US"/>
+          </a:p>
+        </p:txBody>
+      </p:sp>
+      <p:sp>
+        <p:nvSpPr>
+          <p:cNvPr id="4" name="Date Placeholder 3"/>
           <p:cNvSpPr>
             <a:spLocks noGrp="1"/>
           </p:cNvSpPr>
@@ -2932,23 +2557,17 @@
             </a:lvl1pPr>
           </a:lstStyle>
           <a:p>
-            <a:fld id="{03EC4E3E-8101-482F-A883-8B55DAFF7C07}" type="datetimeFigureOut">
-              <a:rPr lang="en-SG" smtClean="0"/>
-              <a:t>22/4/2018</a:t>
+            <a:fld id="{8B2F8DF3-7CFE-4C7E-A62E-FD00A81FB0CD}" type="datetimeFigureOut">
+              <a:rPr lang="en-US" smtClean="0"/>
+              <a:t>7/1/2018</a:t>
             </a:fld>
-            <a:endParaRPr lang="en-SG"/>
-          </a:p>
-        </p:txBody>
-      </p:sp>
-      <p:sp>
-        <p:nvSpPr>
-          <p:cNvPr id="5" name="Footer Placeholder 4">
-            <a:extLst>
-              <a:ext uri="{FF2B5EF4-FFF2-40B4-BE49-F238E27FC236}">
-                <a16:creationId xmlns:a16="http://schemas.microsoft.com/office/drawing/2014/main" id="{A1992B28-8397-4C93-A277-5EE43A537825}"/>
-              </a:ext>
-            </a:extLst>
-          </p:cNvPr>
+            <a:endParaRPr lang="en-US"/>
+          </a:p>
+        </p:txBody>
+      </p:sp>
+      <p:sp>
+        <p:nvSpPr>
+          <p:cNvPr id="5" name="Footer Placeholder 4"/>
           <p:cNvSpPr>
             <a:spLocks noGrp="1"/>
           </p:cNvSpPr>
@@ -2979,19 +2598,13 @@
             </a:lvl1pPr>
           </a:lstStyle>
           <a:p>
-            <a:endParaRPr lang="en-SG"/>
-          </a:p>
-        </p:txBody>
-      </p:sp>
-      <p:sp>
-        <p:nvSpPr>
-          <p:cNvPr id="6" name="Slide Number Placeholder 5">
-            <a:extLst>
-              <a:ext uri="{FF2B5EF4-FFF2-40B4-BE49-F238E27FC236}">
-                <a16:creationId xmlns:a16="http://schemas.microsoft.com/office/drawing/2014/main" id="{D7231209-A74B-4134-87D0-421AB81BBB47}"/>
-              </a:ext>
-            </a:extLst>
-          </p:cNvPr>
+            <a:endParaRPr lang="en-US"/>
+          </a:p>
+        </p:txBody>
+      </p:sp>
+      <p:sp>
+        <p:nvSpPr>
+          <p:cNvPr id="6" name="Slide Number Placeholder 5"/>
           <p:cNvSpPr>
             <a:spLocks noGrp="1"/>
           </p:cNvSpPr>
@@ -3022,18 +2635,18 @@
             </a:lvl1pPr>
           </a:lstStyle>
           <a:p>
-            <a:fld id="{F362EEBD-19F8-4A23-B3A5-01C987241991}" type="slidenum">
-              <a:rPr lang="en-SG" smtClean="0"/>
+            <a:fld id="{4F0D787A-F430-48DF-94CC-863D09AEAED8}" type="slidenum">
+              <a:rPr lang="en-US" smtClean="0"/>
               <a:t>‹#›</a:t>
             </a:fld>
-            <a:endParaRPr lang="en-SG"/>
+            <a:endParaRPr lang="en-US"/>
           </a:p>
         </p:txBody>
       </p:sp>
     </p:spTree>
     <p:extLst>
       <p:ext uri="{BB962C8B-B14F-4D97-AF65-F5344CB8AC3E}">
-        <p14:creationId xmlns:p14="http://schemas.microsoft.com/office/powerpoint/2010/main" val="162984175"/>
+        <p14:creationId xmlns:p14="http://schemas.microsoft.com/office/powerpoint/2010/main" val="2479103479"/>
       </p:ext>
     </p:extLst>
   </p:cSld>
@@ -3353,7 +2966,7 @@
       </p:grpSpPr>
       <p:sp>
         <p:nvSpPr>
-          <p:cNvPr id="45" name="TextBox 44">
+          <p:cNvPr id="4" name="TextBox 3">
             <a:extLst>
               <a:ext uri="{FF2B5EF4-FFF2-40B4-BE49-F238E27FC236}">
                 <a16:creationId xmlns:a16="http://schemas.microsoft.com/office/drawing/2014/main" id="{3151A13B-9509-43FA-BFEB-1D9866A00B84}"/>
@@ -3365,7 +2978,7 @@
         </p:nvSpPr>
         <p:spPr>
           <a:xfrm>
-            <a:off x="0" y="2760740"/>
+            <a:off x="164757" y="4054080"/>
             <a:ext cx="3207000" cy="369332"/>
           </a:xfrm>
           <a:prstGeom prst="rect">
@@ -3400,7 +3013,7 @@
       </p:sp>
       <p:graphicFrame>
         <p:nvGraphicFramePr>
-          <p:cNvPr id="13" name="Table 12">
+          <p:cNvPr id="5" name="Table 4">
             <a:extLst>
               <a:ext uri="{FF2B5EF4-FFF2-40B4-BE49-F238E27FC236}">
                 <a16:creationId xmlns:a16="http://schemas.microsoft.com/office/drawing/2014/main" id="{F545FAB8-F1CE-4886-9BDE-E772BCB0A9C4}"/>
@@ -3413,14 +3026,14 @@
           <p:nvPr>
             <p:extLst>
               <p:ext uri="{D42A27DB-BD31-4B8C-83A1-F6EECF244321}">
-                <p14:modId xmlns:p14="http://schemas.microsoft.com/office/powerpoint/2010/main" val="1408588176"/>
+                <p14:modId xmlns:p14="http://schemas.microsoft.com/office/powerpoint/2010/main" val="1292556626"/>
               </p:ext>
             </p:extLst>
           </p:nvPr>
         </p:nvGraphicFramePr>
         <p:xfrm>
-          <a:off x="473240" y="1476102"/>
-          <a:ext cx="1789739" cy="417888"/>
+          <a:off x="637997" y="2769442"/>
+          <a:ext cx="1833356" cy="410363"/>
         </p:xfrm>
         <a:graphic>
           <a:graphicData uri="http://schemas.openxmlformats.org/drawingml/2006/table">
@@ -3429,7 +3042,7 @@
                 <a:tableStyleId>{638B1855-1B75-4FBE-930C-398BA8C253C6}</a:tableStyleId>
               </a:tblPr>
               <a:tblGrid>
-                <a:gridCol w="1789739">
+                <a:gridCol w="1833356">
                   <a:extLst>
                     <a:ext uri="{9D8B030D-6E8A-4147-A177-3AD203B41FA5}">
                       <a16:colId xmlns:a16="http://schemas.microsoft.com/office/drawing/2014/main" val="4240773277"/>
@@ -3437,7 +3050,7 @@
                   </a:extLst>
                 </a:gridCol>
               </a:tblGrid>
-              <a:tr h="417888">
+              <a:tr h="410363">
                 <a:tc>
                   <a:txBody>
                     <a:bodyPr/>
@@ -3445,13 +3058,13 @@
                     <a:p>
                       <a:r>
                         <a:rPr lang="en-SG" u="sng" dirty="0" smtClean="0"/>
-                        <a:t>:</a:t>
+                        <a:t>ab0:</a:t>
                       </a:r>
                       <a:r>
-                        <a:rPr lang="en-SG" sz="2000" u="sng" dirty="0" smtClean="0"/>
-                        <a:t>AddressBook0</a:t>
+                        <a:rPr lang="en-SG" sz="1800" u="sng" dirty="0" smtClean="0"/>
+                        <a:t>AddressBook</a:t>
                       </a:r>
-                      <a:endParaRPr lang="en-SG" u="sng" dirty="0"/>
+                      <a:endParaRPr lang="en-SG" sz="1600" u="sng" dirty="0"/>
                     </a:p>
                   </a:txBody>
                   <a:tcPr/>
@@ -3466,79 +3079,15 @@
           </a:graphicData>
         </a:graphic>
       </p:graphicFrame>
-      <p:graphicFrame>
-        <p:nvGraphicFramePr>
-          <p:cNvPr id="14" name="Table 13">
-            <a:extLst>
-              <a:ext uri="{FF2B5EF4-FFF2-40B4-BE49-F238E27FC236}">
-                <a16:creationId xmlns:a16="http://schemas.microsoft.com/office/drawing/2014/main" id="{F545FAB8-F1CE-4886-9BDE-E772BCB0A9C4}"/>
-              </a:ext>
-            </a:extLst>
-          </p:cNvPr>
-          <p:cNvGraphicFramePr>
-            <a:graphicFrameLocks noGrp="1"/>
-          </p:cNvGraphicFramePr>
-          <p:nvPr>
-            <p:extLst>
-              <p:ext uri="{D42A27DB-BD31-4B8C-83A1-F6EECF244321}">
-                <p14:modId xmlns:p14="http://schemas.microsoft.com/office/powerpoint/2010/main" val="4078037368"/>
-              </p:ext>
-            </p:extLst>
-          </p:nvPr>
-        </p:nvGraphicFramePr>
-        <p:xfrm>
-          <a:off x="2563168" y="3931005"/>
-          <a:ext cx="1753888" cy="409055"/>
-        </p:xfrm>
-        <a:graphic>
-          <a:graphicData uri="http://schemas.openxmlformats.org/drawingml/2006/table">
-            <a:tbl>
-              <a:tblPr>
-                <a:tableStyleId>{638B1855-1B75-4FBE-930C-398BA8C253C6}</a:tableStyleId>
-              </a:tblPr>
-              <a:tblGrid>
-                <a:gridCol w="1753888">
-                  <a:extLst>
-                    <a:ext uri="{9D8B030D-6E8A-4147-A177-3AD203B41FA5}">
-                      <a16:colId xmlns:a16="http://schemas.microsoft.com/office/drawing/2014/main" val="4240773277"/>
-                    </a:ext>
-                  </a:extLst>
-                </a:gridCol>
-              </a:tblGrid>
-              <a:tr h="409055">
-                <a:tc>
-                  <a:txBody>
-                    <a:bodyPr/>
-                    <a:lstStyle/>
-                    <a:p>
-                      <a:r>
-                        <a:rPr lang="en-SG" sz="2000" u="sng" dirty="0" smtClean="0"/>
-                        <a:t>:AddressBook1</a:t>
-                      </a:r>
-                      <a:endParaRPr lang="en-SG" sz="2000" u="sng" dirty="0"/>
-                    </a:p>
-                  </a:txBody>
-                  <a:tcPr/>
-                </a:tc>
-                <a:extLst>
-                  <a:ext uri="{0D108BD9-81ED-4DB2-BD59-A6C34878D82A}">
-                    <a16:rowId xmlns:a16="http://schemas.microsoft.com/office/drawing/2014/main" val="2194462629"/>
-                  </a:ext>
-                </a:extLst>
-              </a:tr>
-            </a:tbl>
-          </a:graphicData>
-        </a:graphic>
-      </p:graphicFrame>
-      <p:sp>
-        <p:nvSpPr>
-          <p:cNvPr id="2" name="Up Arrow 1"/>
+      <p:sp>
+        <p:nvSpPr>
+          <p:cNvPr id="6" name="Up Arrow 5"/>
           <p:cNvSpPr/>
           <p:nvPr/>
         </p:nvSpPr>
         <p:spPr>
           <a:xfrm>
-            <a:off x="1472871" y="2037682"/>
+            <a:off x="1637628" y="3331022"/>
             <a:ext cx="234009" cy="804421"/>
           </a:xfrm>
           <a:prstGeom prst="upArrow">
@@ -3572,61 +3121,13 @@
       </p:sp>
       <p:sp>
         <p:nvSpPr>
-          <p:cNvPr id="3" name="Down Arrow 2"/>
+          <p:cNvPr id="7" name="Rectangle 6"/>
           <p:cNvSpPr/>
           <p:nvPr/>
         </p:nvSpPr>
         <p:spPr>
           <a:xfrm>
-            <a:off x="4397701" y="2244365"/>
-            <a:ext cx="1672046" cy="1402081"/>
-          </a:xfrm>
-          <a:prstGeom prst="downArrow">
-            <a:avLst/>
-          </a:prstGeom>
-        </p:spPr>
-        <p:style>
-          <a:lnRef idx="2">
-            <a:schemeClr val="accent1">
-              <a:shade val="50000"/>
-            </a:schemeClr>
-          </a:lnRef>
-          <a:fillRef idx="1">
-            <a:schemeClr val="accent1"/>
-          </a:fillRef>
-          <a:effectRef idx="0">
-            <a:schemeClr val="accent1"/>
-          </a:effectRef>
-          <a:fontRef idx="minor">
-            <a:schemeClr val="lt1"/>
-          </a:fontRef>
-        </p:style>
-        <p:txBody>
-          <a:bodyPr rtlCol="0" anchor="ctr"/>
-          <a:lstStyle/>
-          <a:p>
-            <a:pPr algn="ctr"/>
-            <a:r>
-              <a:rPr lang="en-SG" dirty="0"/>
-              <a:t>d</a:t>
-            </a:r>
-            <a:r>
-              <a:rPr lang="en-SG" dirty="0" smtClean="0"/>
-              <a:t>elete 5</a:t>
-            </a:r>
-            <a:endParaRPr lang="en-US" dirty="0"/>
-          </a:p>
-        </p:txBody>
-      </p:sp>
-      <p:sp>
-        <p:nvSpPr>
-          <p:cNvPr id="4" name="Rectangle 3"/>
-          <p:cNvSpPr/>
-          <p:nvPr/>
-        </p:nvSpPr>
-        <p:spPr>
-          <a:xfrm>
-            <a:off x="364797" y="1375953"/>
+            <a:off x="529554" y="2669293"/>
             <a:ext cx="11364686" cy="618187"/>
           </a:xfrm>
           <a:prstGeom prst="rect">
@@ -3664,207 +3165,10 @@
           </a:p>
         </p:txBody>
       </p:sp>
-      <p:sp>
-        <p:nvSpPr>
-          <p:cNvPr id="19" name="TextBox 18">
-            <a:extLst>
-              <a:ext uri="{FF2B5EF4-FFF2-40B4-BE49-F238E27FC236}">
-                <a16:creationId xmlns:a16="http://schemas.microsoft.com/office/drawing/2014/main" id="{3151A13B-9509-43FA-BFEB-1D9866A00B84}"/>
-              </a:ext>
-            </a:extLst>
-          </p:cNvPr>
-          <p:cNvSpPr txBox="1"/>
-          <p:nvPr/>
-        </p:nvSpPr>
-        <p:spPr>
-          <a:xfrm>
-            <a:off x="1967014" y="5245581"/>
-            <a:ext cx="3207000" cy="369332"/>
-          </a:xfrm>
-          <a:prstGeom prst="rect">
-            <a:avLst/>
-          </a:prstGeom>
-          <a:noFill/>
-        </p:spPr>
-        <p:txBody>
-          <a:bodyPr wrap="square" rtlCol="0">
-            <a:spAutoFit/>
-          </a:bodyPr>
-          <a:lstStyle/>
-          <a:p>
-            <a:pPr algn="ctr"/>
-            <a:r>
-              <a:rPr lang="en-SG" dirty="0" err="1" smtClean="0">
-                <a:latin typeface="Consolas" panose="020B0609020204030204" pitchFamily="49" charset="0"/>
-              </a:rPr>
-              <a:t>currentStatePointer</a:t>
-            </a:r>
-            <a:r>
-              <a:rPr lang="en-SG" dirty="0" smtClean="0">
-                <a:latin typeface="Consolas" panose="020B0609020204030204" pitchFamily="49" charset="0"/>
-              </a:rPr>
-              <a:t> = 1</a:t>
-            </a:r>
-            <a:endParaRPr lang="en-SG" dirty="0">
-              <a:latin typeface="Consolas" panose="020B0609020204030204" pitchFamily="49" charset="0"/>
-            </a:endParaRPr>
-          </a:p>
-        </p:txBody>
-      </p:sp>
-      <p:graphicFrame>
-        <p:nvGraphicFramePr>
-          <p:cNvPr id="25" name="Table 24">
-            <a:extLst>
-              <a:ext uri="{FF2B5EF4-FFF2-40B4-BE49-F238E27FC236}">
-                <a16:creationId xmlns:a16="http://schemas.microsoft.com/office/drawing/2014/main" id="{F545FAB8-F1CE-4886-9BDE-E772BCB0A9C4}"/>
-              </a:ext>
-            </a:extLst>
-          </p:cNvPr>
-          <p:cNvGraphicFramePr>
-            <a:graphicFrameLocks noGrp="1"/>
-          </p:cNvGraphicFramePr>
-          <p:nvPr>
-            <p:extLst>
-              <p:ext uri="{D42A27DB-BD31-4B8C-83A1-F6EECF244321}">
-                <p14:modId xmlns:p14="http://schemas.microsoft.com/office/powerpoint/2010/main" val="1829008037"/>
-              </p:ext>
-            </p:extLst>
-          </p:nvPr>
-        </p:nvGraphicFramePr>
-        <p:xfrm>
-          <a:off x="473240" y="3931005"/>
-          <a:ext cx="1825824" cy="409055"/>
-        </p:xfrm>
-        <a:graphic>
-          <a:graphicData uri="http://schemas.openxmlformats.org/drawingml/2006/table">
-            <a:tbl>
-              <a:tblPr>
-                <a:tableStyleId>{638B1855-1B75-4FBE-930C-398BA8C253C6}</a:tableStyleId>
-              </a:tblPr>
-              <a:tblGrid>
-                <a:gridCol w="1825824">
-                  <a:extLst>
-                    <a:ext uri="{9D8B030D-6E8A-4147-A177-3AD203B41FA5}">
-                      <a16:colId xmlns:a16="http://schemas.microsoft.com/office/drawing/2014/main" val="4240773277"/>
-                    </a:ext>
-                  </a:extLst>
-                </a:gridCol>
-              </a:tblGrid>
-              <a:tr h="409055">
-                <a:tc>
-                  <a:txBody>
-                    <a:bodyPr/>
-                    <a:lstStyle/>
-                    <a:p>
-                      <a:r>
-                        <a:rPr lang="en-SG" sz="2000" u="sng" dirty="0" smtClean="0"/>
-                        <a:t>:AddressBook0</a:t>
-                      </a:r>
-                      <a:endParaRPr lang="en-SG" sz="2000" u="sng" dirty="0"/>
-                    </a:p>
-                  </a:txBody>
-                  <a:tcPr/>
-                </a:tc>
-                <a:extLst>
-                  <a:ext uri="{0D108BD9-81ED-4DB2-BD59-A6C34878D82A}">
-                    <a16:rowId xmlns:a16="http://schemas.microsoft.com/office/drawing/2014/main" val="2194462629"/>
-                  </a:ext>
-                </a:extLst>
-              </a:tr>
-            </a:tbl>
-          </a:graphicData>
-        </a:graphic>
-      </p:graphicFrame>
-      <p:sp>
-        <p:nvSpPr>
-          <p:cNvPr id="26" name="Up Arrow 25"/>
-          <p:cNvSpPr/>
-          <p:nvPr/>
-        </p:nvSpPr>
-        <p:spPr>
-          <a:xfrm>
-            <a:off x="3309483" y="4432492"/>
-            <a:ext cx="261031" cy="798758"/>
-          </a:xfrm>
-          <a:prstGeom prst="upArrow">
-            <a:avLst/>
-          </a:prstGeom>
-        </p:spPr>
-        <p:style>
-          <a:lnRef idx="2">
-            <a:schemeClr val="accent1">
-              <a:shade val="50000"/>
-            </a:schemeClr>
-          </a:lnRef>
-          <a:fillRef idx="1">
-            <a:schemeClr val="accent1"/>
-          </a:fillRef>
-          <a:effectRef idx="0">
-            <a:schemeClr val="accent1"/>
-          </a:effectRef>
-          <a:fontRef idx="minor">
-            <a:schemeClr val="lt1"/>
-          </a:fontRef>
-        </p:style>
-        <p:txBody>
-          <a:bodyPr rtlCol="0" anchor="ctr"/>
-          <a:lstStyle/>
-          <a:p>
-            <a:pPr algn="ctr"/>
-            <a:endParaRPr lang="en-US"/>
-          </a:p>
-        </p:txBody>
-      </p:sp>
-      <p:sp>
-        <p:nvSpPr>
-          <p:cNvPr id="27" name="Rectangle 26"/>
-          <p:cNvSpPr/>
-          <p:nvPr/>
-        </p:nvSpPr>
-        <p:spPr>
-          <a:xfrm>
-            <a:off x="387404" y="3838574"/>
-            <a:ext cx="11364686" cy="593918"/>
-          </a:xfrm>
-          <a:prstGeom prst="rect">
-            <a:avLst/>
-          </a:prstGeom>
-          <a:noFill/>
-          <a:ln>
-            <a:solidFill>
-              <a:schemeClr val="tx1"/>
-            </a:solidFill>
-          </a:ln>
-        </p:spPr>
-        <p:style>
-          <a:lnRef idx="2">
-            <a:schemeClr val="accent1">
-              <a:shade val="50000"/>
-            </a:schemeClr>
-          </a:lnRef>
-          <a:fillRef idx="1">
-            <a:schemeClr val="accent1"/>
-          </a:fillRef>
-          <a:effectRef idx="0">
-            <a:schemeClr val="accent1"/>
-          </a:effectRef>
-          <a:fontRef idx="minor">
-            <a:schemeClr val="lt1"/>
-          </a:fontRef>
-        </p:style>
-        <p:txBody>
-          <a:bodyPr rtlCol="0" anchor="ctr"/>
-          <a:lstStyle/>
-          <a:p>
-            <a:pPr algn="ctr"/>
-            <a:endParaRPr lang="en-US"/>
-          </a:p>
-        </p:txBody>
-      </p:sp>
     </p:spTree>
     <p:extLst>
       <p:ext uri="{BB962C8B-B14F-4D97-AF65-F5344CB8AC3E}">
-        <p14:creationId xmlns:p14="http://schemas.microsoft.com/office/powerpoint/2010/main" val="3338945851"/>
+        <p14:creationId xmlns:p14="http://schemas.microsoft.com/office/powerpoint/2010/main" val="394243577"/>
       </p:ext>
     </p:extLst>
   </p:cSld>
@@ -3891,7 +3195,7 @@
         <a:srgbClr val="E7E6E6"/>
       </a:lt2>
       <a:accent1>
-        <a:srgbClr val="4472C4"/>
+        <a:srgbClr val="5B9BD5"/>
       </a:accent1>
       <a:accent2>
         <a:srgbClr val="ED7D31"/>
@@ -3903,7 +3207,7 @@
         <a:srgbClr val="FFC000"/>
       </a:accent4>
       <a:accent5>
-        <a:srgbClr val="5B9BD5"/>
+        <a:srgbClr val="4472C4"/>
       </a:accent5>
       <a:accent6>
         <a:srgbClr val="70AD47"/>
@@ -3950,23 +3254,6 @@
         <a:font script="Viet" typeface="Times New Roman"/>
         <a:font script="Uigh" typeface="Microsoft Uighur"/>
         <a:font script="Geor" typeface="Sylfaen"/>
-        <a:font script="Armn" typeface="Arial"/>
-        <a:font script="Bugi" typeface="Leelawadee UI"/>
-        <a:font script="Bopo" typeface="Microsoft JhengHei"/>
-        <a:font script="Java" typeface="Javanese Text"/>
-        <a:font script="Lisu" typeface="Segoe UI"/>
-        <a:font script="Mymr" typeface="Myanmar Text"/>
-        <a:font script="Nkoo" typeface="Ebrima"/>
-        <a:font script="Olck" typeface="Nirmala UI"/>
-        <a:font script="Osma" typeface="Ebrima"/>
-        <a:font script="Phag" typeface="Phagspa"/>
-        <a:font script="Syrn" typeface="Estrangelo Edessa"/>
-        <a:font script="Syrj" typeface="Estrangelo Edessa"/>
-        <a:font script="Syre" typeface="Estrangelo Edessa"/>
-        <a:font script="Sora" typeface="Nirmala UI"/>
-        <a:font script="Tale" typeface="Microsoft Tai Le"/>
-        <a:font script="Talu" typeface="Microsoft New Tai Lue"/>
-        <a:font script="Tfng" typeface="Ebrima"/>
       </a:majorFont>
       <a:minorFont>
         <a:latin typeface="Calibri" panose="020F0502020204030204"/>
@@ -4002,23 +3289,6 @@
         <a:font script="Viet" typeface="Arial"/>
         <a:font script="Uigh" typeface="Microsoft Uighur"/>
         <a:font script="Geor" typeface="Sylfaen"/>
-        <a:font script="Armn" typeface="Arial"/>
-        <a:font script="Bugi" typeface="Leelawadee UI"/>
-        <a:font script="Bopo" typeface="Microsoft JhengHei"/>
-        <a:font script="Java" typeface="Javanese Text"/>
-        <a:font script="Lisu" typeface="Segoe UI"/>
-        <a:font script="Mymr" typeface="Myanmar Text"/>
-        <a:font script="Nkoo" typeface="Ebrima"/>
-        <a:font script="Olck" typeface="Nirmala UI"/>
-        <a:font script="Osma" typeface="Ebrima"/>
-        <a:font script="Phag" typeface="Phagspa"/>
-        <a:font script="Syrn" typeface="Estrangelo Edessa"/>
-        <a:font script="Syrj" typeface="Estrangelo Edessa"/>
-        <a:font script="Syre" typeface="Estrangelo Edessa"/>
-        <a:font script="Sora" typeface="Nirmala UI"/>
-        <a:font script="Tale" typeface="Microsoft Tai Le"/>
-        <a:font script="Talu" typeface="Microsoft New Tai Lue"/>
-        <a:font script="Tfng" typeface="Ebrima"/>
       </a:minorFont>
     </a:fontScheme>
     <a:fmtScheme name="Office">

--- a/docs/diagrams/UndoRedoStartingStateListDiagram.pptx
+++ b/docs/diagrams/UndoRedoStartingStateListDiagram.pptx
@@ -104,7 +104,16 @@
       </a:defRPr>
     </a:lvl9pPr>
   </p:defaultTextStyle>
+  <p:extLst>
+    <p:ext uri="{EFAFB233-063F-42B5-8137-9DF3F51BA10A}">
+      <p15:sldGuideLst xmlns:p15="http://schemas.microsoft.com/office/powerpoint/2012/main"/>
+    </p:ext>
+  </p:extLst>
 </p:presentation>
+</file>
+
+<file path=ppt/revisionInfo.xml><?xml version="1.0" encoding="utf-8"?>
+<p1510:revInfo xmlns:a="http://schemas.openxmlformats.org/drawingml/2006/main" xmlns:r="http://schemas.openxmlformats.org/officeDocument/2006/relationships" xmlns:p1510="http://schemas.microsoft.com/office/powerpoint/2015/10/main"/>
 </file>
 
 <file path=ppt/slideLayouts/slideLayout1.xml><?xml version="1.0" encoding="utf-8"?>
@@ -149,10 +158,9 @@
           </a:lstStyle>
           <a:p>
             <a:r>
-              <a:rPr lang="en-US" smtClean="0"/>
+              <a:rPr lang="en-US"/>
               <a:t>Click to edit Master title style</a:t>
             </a:r>
-            <a:endParaRPr lang="en-US"/>
           </a:p>
         </p:txBody>
       </p:sp>
@@ -214,10 +222,9 @@
           </a:lstStyle>
           <a:p>
             <a:r>
-              <a:rPr lang="en-US" smtClean="0"/>
+              <a:rPr lang="en-US"/>
               <a:t>Click to edit Master subtitle style</a:t>
             </a:r>
-            <a:endParaRPr lang="en-US"/>
           </a:p>
         </p:txBody>
       </p:sp>
@@ -238,7 +245,7 @@
           <a:p>
             <a:fld id="{8B2F8DF3-7CFE-4C7E-A62E-FD00A81FB0CD}" type="datetimeFigureOut">
               <a:rPr lang="en-US" smtClean="0"/>
-              <a:t>7/1/2018</a:t>
+              <a:t>7/6/2018</a:t>
             </a:fld>
             <a:endParaRPr lang="en-US"/>
           </a:p>
@@ -332,10 +339,9 @@
           <a:lstStyle/>
           <a:p>
             <a:r>
-              <a:rPr lang="en-US" smtClean="0"/>
+              <a:rPr lang="en-US"/>
               <a:t>Click to edit Master title style</a:t>
             </a:r>
-            <a:endParaRPr lang="en-US"/>
           </a:p>
         </p:txBody>
       </p:sp>
@@ -356,38 +362,37 @@
           <a:p>
             <a:pPr lvl="0"/>
             <a:r>
-              <a:rPr lang="en-US" smtClean="0"/>
+              <a:rPr lang="en-US"/>
               <a:t>Edit Master text styles</a:t>
             </a:r>
           </a:p>
           <a:p>
             <a:pPr lvl="1"/>
             <a:r>
-              <a:rPr lang="en-US" smtClean="0"/>
+              <a:rPr lang="en-US"/>
               <a:t>Second level</a:t>
             </a:r>
           </a:p>
           <a:p>
             <a:pPr lvl="2"/>
             <a:r>
-              <a:rPr lang="en-US" smtClean="0"/>
+              <a:rPr lang="en-US"/>
               <a:t>Third level</a:t>
             </a:r>
           </a:p>
           <a:p>
             <a:pPr lvl="3"/>
             <a:r>
-              <a:rPr lang="en-US" smtClean="0"/>
+              <a:rPr lang="en-US"/>
               <a:t>Fourth level</a:t>
             </a:r>
           </a:p>
           <a:p>
             <a:pPr lvl="4"/>
             <a:r>
-              <a:rPr lang="en-US" smtClean="0"/>
+              <a:rPr lang="en-US"/>
               <a:t>Fifth level</a:t>
             </a:r>
-            <a:endParaRPr lang="en-US"/>
           </a:p>
         </p:txBody>
       </p:sp>
@@ -408,7 +413,7 @@
           <a:p>
             <a:fld id="{8B2F8DF3-7CFE-4C7E-A62E-FD00A81FB0CD}" type="datetimeFigureOut">
               <a:rPr lang="en-US" smtClean="0"/>
-              <a:t>7/1/2018</a:t>
+              <a:t>7/6/2018</a:t>
             </a:fld>
             <a:endParaRPr lang="en-US"/>
           </a:p>
@@ -507,10 +512,9 @@
           <a:lstStyle/>
           <a:p>
             <a:r>
-              <a:rPr lang="en-US" smtClean="0"/>
+              <a:rPr lang="en-US"/>
               <a:t>Click to edit Master title style</a:t>
             </a:r>
-            <a:endParaRPr lang="en-US"/>
           </a:p>
         </p:txBody>
       </p:sp>
@@ -536,38 +540,37 @@
           <a:p>
             <a:pPr lvl="0"/>
             <a:r>
-              <a:rPr lang="en-US" smtClean="0"/>
+              <a:rPr lang="en-US"/>
               <a:t>Edit Master text styles</a:t>
             </a:r>
           </a:p>
           <a:p>
             <a:pPr lvl="1"/>
             <a:r>
-              <a:rPr lang="en-US" smtClean="0"/>
+              <a:rPr lang="en-US"/>
               <a:t>Second level</a:t>
             </a:r>
           </a:p>
           <a:p>
             <a:pPr lvl="2"/>
             <a:r>
-              <a:rPr lang="en-US" smtClean="0"/>
+              <a:rPr lang="en-US"/>
               <a:t>Third level</a:t>
             </a:r>
           </a:p>
           <a:p>
             <a:pPr lvl="3"/>
             <a:r>
-              <a:rPr lang="en-US" smtClean="0"/>
+              <a:rPr lang="en-US"/>
               <a:t>Fourth level</a:t>
             </a:r>
           </a:p>
           <a:p>
             <a:pPr lvl="4"/>
             <a:r>
-              <a:rPr lang="en-US" smtClean="0"/>
+              <a:rPr lang="en-US"/>
               <a:t>Fifth level</a:t>
             </a:r>
-            <a:endParaRPr lang="en-US"/>
           </a:p>
         </p:txBody>
       </p:sp>
@@ -588,7 +591,7 @@
           <a:p>
             <a:fld id="{8B2F8DF3-7CFE-4C7E-A62E-FD00A81FB0CD}" type="datetimeFigureOut">
               <a:rPr lang="en-US" smtClean="0"/>
-              <a:t>7/1/2018</a:t>
+              <a:t>7/6/2018</a:t>
             </a:fld>
             <a:endParaRPr lang="en-US"/>
           </a:p>
@@ -682,10 +685,9 @@
           <a:lstStyle/>
           <a:p>
             <a:r>
-              <a:rPr lang="en-US" smtClean="0"/>
+              <a:rPr lang="en-US"/>
               <a:t>Click to edit Master title style</a:t>
             </a:r>
-            <a:endParaRPr lang="en-US"/>
           </a:p>
         </p:txBody>
       </p:sp>
@@ -706,38 +708,37 @@
           <a:p>
             <a:pPr lvl="0"/>
             <a:r>
-              <a:rPr lang="en-US" smtClean="0"/>
+              <a:rPr lang="en-US"/>
               <a:t>Edit Master text styles</a:t>
             </a:r>
           </a:p>
           <a:p>
             <a:pPr lvl="1"/>
             <a:r>
-              <a:rPr lang="en-US" smtClean="0"/>
+              <a:rPr lang="en-US"/>
               <a:t>Second level</a:t>
             </a:r>
           </a:p>
           <a:p>
             <a:pPr lvl="2"/>
             <a:r>
-              <a:rPr lang="en-US" smtClean="0"/>
+              <a:rPr lang="en-US"/>
               <a:t>Third level</a:t>
             </a:r>
           </a:p>
           <a:p>
             <a:pPr lvl="3"/>
             <a:r>
-              <a:rPr lang="en-US" smtClean="0"/>
+              <a:rPr lang="en-US"/>
               <a:t>Fourth level</a:t>
             </a:r>
           </a:p>
           <a:p>
             <a:pPr lvl="4"/>
             <a:r>
-              <a:rPr lang="en-US" smtClean="0"/>
+              <a:rPr lang="en-US"/>
               <a:t>Fifth level</a:t>
             </a:r>
-            <a:endParaRPr lang="en-US"/>
           </a:p>
         </p:txBody>
       </p:sp>
@@ -758,7 +759,7 @@
           <a:p>
             <a:fld id="{8B2F8DF3-7CFE-4C7E-A62E-FD00A81FB0CD}" type="datetimeFigureOut">
               <a:rPr lang="en-US" smtClean="0"/>
-              <a:t>7/1/2018</a:t>
+              <a:t>7/6/2018</a:t>
             </a:fld>
             <a:endParaRPr lang="en-US"/>
           </a:p>
@@ -861,10 +862,9 @@
           </a:lstStyle>
           <a:p>
             <a:r>
-              <a:rPr lang="en-US" smtClean="0"/>
+              <a:rPr lang="en-US"/>
               <a:t>Click to edit Master title style</a:t>
             </a:r>
-            <a:endParaRPr lang="en-US"/>
           </a:p>
         </p:txBody>
       </p:sp>
@@ -981,7 +981,7 @@
           <a:p>
             <a:pPr lvl="0"/>
             <a:r>
-              <a:rPr lang="en-US" smtClean="0"/>
+              <a:rPr lang="en-US"/>
               <a:t>Edit Master text styles</a:t>
             </a:r>
           </a:p>
@@ -1004,7 +1004,7 @@
           <a:p>
             <a:fld id="{8B2F8DF3-7CFE-4C7E-A62E-FD00A81FB0CD}" type="datetimeFigureOut">
               <a:rPr lang="en-US" smtClean="0"/>
-              <a:t>7/1/2018</a:t>
+              <a:t>7/6/2018</a:t>
             </a:fld>
             <a:endParaRPr lang="en-US"/>
           </a:p>
@@ -1098,10 +1098,9 @@
           <a:lstStyle/>
           <a:p>
             <a:r>
-              <a:rPr lang="en-US" smtClean="0"/>
+              <a:rPr lang="en-US"/>
               <a:t>Click to edit Master title style</a:t>
             </a:r>
-            <a:endParaRPr lang="en-US"/>
           </a:p>
         </p:txBody>
       </p:sp>
@@ -1127,38 +1126,37 @@
           <a:p>
             <a:pPr lvl="0"/>
             <a:r>
-              <a:rPr lang="en-US" smtClean="0"/>
+              <a:rPr lang="en-US"/>
               <a:t>Edit Master text styles</a:t>
             </a:r>
           </a:p>
           <a:p>
             <a:pPr lvl="1"/>
             <a:r>
-              <a:rPr lang="en-US" smtClean="0"/>
+              <a:rPr lang="en-US"/>
               <a:t>Second level</a:t>
             </a:r>
           </a:p>
           <a:p>
             <a:pPr lvl="2"/>
             <a:r>
-              <a:rPr lang="en-US" smtClean="0"/>
+              <a:rPr lang="en-US"/>
               <a:t>Third level</a:t>
             </a:r>
           </a:p>
           <a:p>
             <a:pPr lvl="3"/>
             <a:r>
-              <a:rPr lang="en-US" smtClean="0"/>
+              <a:rPr lang="en-US"/>
               <a:t>Fourth level</a:t>
             </a:r>
           </a:p>
           <a:p>
             <a:pPr lvl="4"/>
             <a:r>
-              <a:rPr lang="en-US" smtClean="0"/>
+              <a:rPr lang="en-US"/>
               <a:t>Fifth level</a:t>
             </a:r>
-            <a:endParaRPr lang="en-US"/>
           </a:p>
         </p:txBody>
       </p:sp>
@@ -1184,38 +1182,37 @@
           <a:p>
             <a:pPr lvl="0"/>
             <a:r>
-              <a:rPr lang="en-US" smtClean="0"/>
+              <a:rPr lang="en-US"/>
               <a:t>Edit Master text styles</a:t>
             </a:r>
           </a:p>
           <a:p>
             <a:pPr lvl="1"/>
             <a:r>
-              <a:rPr lang="en-US" smtClean="0"/>
+              <a:rPr lang="en-US"/>
               <a:t>Second level</a:t>
             </a:r>
           </a:p>
           <a:p>
             <a:pPr lvl="2"/>
             <a:r>
-              <a:rPr lang="en-US" smtClean="0"/>
+              <a:rPr lang="en-US"/>
               <a:t>Third level</a:t>
             </a:r>
           </a:p>
           <a:p>
             <a:pPr lvl="3"/>
             <a:r>
-              <a:rPr lang="en-US" smtClean="0"/>
+              <a:rPr lang="en-US"/>
               <a:t>Fourth level</a:t>
             </a:r>
           </a:p>
           <a:p>
             <a:pPr lvl="4"/>
             <a:r>
-              <a:rPr lang="en-US" smtClean="0"/>
+              <a:rPr lang="en-US"/>
               <a:t>Fifth level</a:t>
             </a:r>
-            <a:endParaRPr lang="en-US"/>
           </a:p>
         </p:txBody>
       </p:sp>
@@ -1236,7 +1233,7 @@
           <a:p>
             <a:fld id="{8B2F8DF3-7CFE-4C7E-A62E-FD00A81FB0CD}" type="datetimeFigureOut">
               <a:rPr lang="en-US" smtClean="0"/>
-              <a:t>7/1/2018</a:t>
+              <a:t>7/6/2018</a:t>
             </a:fld>
             <a:endParaRPr lang="en-US"/>
           </a:p>
@@ -1335,10 +1332,9 @@
           <a:lstStyle/>
           <a:p>
             <a:r>
-              <a:rPr lang="en-US" smtClean="0"/>
+              <a:rPr lang="en-US"/>
               <a:t>Click to edit Master title style</a:t>
             </a:r>
-            <a:endParaRPr lang="en-US"/>
           </a:p>
         </p:txBody>
       </p:sp>
@@ -1401,7 +1397,7 @@
           <a:p>
             <a:pPr lvl="0"/>
             <a:r>
-              <a:rPr lang="en-US" smtClean="0"/>
+              <a:rPr lang="en-US"/>
               <a:t>Edit Master text styles</a:t>
             </a:r>
           </a:p>
@@ -1429,38 +1425,37 @@
           <a:p>
             <a:pPr lvl="0"/>
             <a:r>
-              <a:rPr lang="en-US" smtClean="0"/>
+              <a:rPr lang="en-US"/>
               <a:t>Edit Master text styles</a:t>
             </a:r>
           </a:p>
           <a:p>
             <a:pPr lvl="1"/>
             <a:r>
-              <a:rPr lang="en-US" smtClean="0"/>
+              <a:rPr lang="en-US"/>
               <a:t>Second level</a:t>
             </a:r>
           </a:p>
           <a:p>
             <a:pPr lvl="2"/>
             <a:r>
-              <a:rPr lang="en-US" smtClean="0"/>
+              <a:rPr lang="en-US"/>
               <a:t>Third level</a:t>
             </a:r>
           </a:p>
           <a:p>
             <a:pPr lvl="3"/>
             <a:r>
-              <a:rPr lang="en-US" smtClean="0"/>
+              <a:rPr lang="en-US"/>
               <a:t>Fourth level</a:t>
             </a:r>
           </a:p>
           <a:p>
             <a:pPr lvl="4"/>
             <a:r>
-              <a:rPr lang="en-US" smtClean="0"/>
+              <a:rPr lang="en-US"/>
               <a:t>Fifth level</a:t>
             </a:r>
-            <a:endParaRPr lang="en-US"/>
           </a:p>
         </p:txBody>
       </p:sp>
@@ -1523,7 +1518,7 @@
           <a:p>
             <a:pPr lvl="0"/>
             <a:r>
-              <a:rPr lang="en-US" smtClean="0"/>
+              <a:rPr lang="en-US"/>
               <a:t>Edit Master text styles</a:t>
             </a:r>
           </a:p>
@@ -1551,38 +1546,37 @@
           <a:p>
             <a:pPr lvl="0"/>
             <a:r>
-              <a:rPr lang="en-US" smtClean="0"/>
+              <a:rPr lang="en-US"/>
               <a:t>Edit Master text styles</a:t>
             </a:r>
           </a:p>
           <a:p>
             <a:pPr lvl="1"/>
             <a:r>
-              <a:rPr lang="en-US" smtClean="0"/>
+              <a:rPr lang="en-US"/>
               <a:t>Second level</a:t>
             </a:r>
           </a:p>
           <a:p>
             <a:pPr lvl="2"/>
             <a:r>
-              <a:rPr lang="en-US" smtClean="0"/>
+              <a:rPr lang="en-US"/>
               <a:t>Third level</a:t>
             </a:r>
           </a:p>
           <a:p>
             <a:pPr lvl="3"/>
             <a:r>
-              <a:rPr lang="en-US" smtClean="0"/>
+              <a:rPr lang="en-US"/>
               <a:t>Fourth level</a:t>
             </a:r>
           </a:p>
           <a:p>
             <a:pPr lvl="4"/>
             <a:r>
-              <a:rPr lang="en-US" smtClean="0"/>
+              <a:rPr lang="en-US"/>
               <a:t>Fifth level</a:t>
             </a:r>
-            <a:endParaRPr lang="en-US"/>
           </a:p>
         </p:txBody>
       </p:sp>
@@ -1603,7 +1597,7 @@
           <a:p>
             <a:fld id="{8B2F8DF3-7CFE-4C7E-A62E-FD00A81FB0CD}" type="datetimeFigureOut">
               <a:rPr lang="en-US" smtClean="0"/>
-              <a:t>7/1/2018</a:t>
+              <a:t>7/6/2018</a:t>
             </a:fld>
             <a:endParaRPr lang="en-US"/>
           </a:p>
@@ -1697,10 +1691,9 @@
           <a:lstStyle/>
           <a:p>
             <a:r>
-              <a:rPr lang="en-US" smtClean="0"/>
+              <a:rPr lang="en-US"/>
               <a:t>Click to edit Master title style</a:t>
             </a:r>
-            <a:endParaRPr lang="en-US"/>
           </a:p>
         </p:txBody>
       </p:sp>
@@ -1721,7 +1714,7 @@
           <a:p>
             <a:fld id="{8B2F8DF3-7CFE-4C7E-A62E-FD00A81FB0CD}" type="datetimeFigureOut">
               <a:rPr lang="en-US" smtClean="0"/>
-              <a:t>7/1/2018</a:t>
+              <a:t>7/6/2018</a:t>
             </a:fld>
             <a:endParaRPr lang="en-US"/>
           </a:p>
@@ -1816,7 +1809,7 @@
           <a:p>
             <a:fld id="{8B2F8DF3-7CFE-4C7E-A62E-FD00A81FB0CD}" type="datetimeFigureOut">
               <a:rPr lang="en-US" smtClean="0"/>
-              <a:t>7/1/2018</a:t>
+              <a:t>7/6/2018</a:t>
             </a:fld>
             <a:endParaRPr lang="en-US"/>
           </a:p>
@@ -1919,10 +1912,9 @@
           </a:lstStyle>
           <a:p>
             <a:r>
-              <a:rPr lang="en-US" smtClean="0"/>
+              <a:rPr lang="en-US"/>
               <a:t>Click to edit Master title style</a:t>
             </a:r>
-            <a:endParaRPr lang="en-US"/>
           </a:p>
         </p:txBody>
       </p:sp>
@@ -1976,38 +1968,37 @@
           <a:p>
             <a:pPr lvl="0"/>
             <a:r>
-              <a:rPr lang="en-US" smtClean="0"/>
+              <a:rPr lang="en-US"/>
               <a:t>Edit Master text styles</a:t>
             </a:r>
           </a:p>
           <a:p>
             <a:pPr lvl="1"/>
             <a:r>
-              <a:rPr lang="en-US" smtClean="0"/>
+              <a:rPr lang="en-US"/>
               <a:t>Second level</a:t>
             </a:r>
           </a:p>
           <a:p>
             <a:pPr lvl="2"/>
             <a:r>
-              <a:rPr lang="en-US" smtClean="0"/>
+              <a:rPr lang="en-US"/>
               <a:t>Third level</a:t>
             </a:r>
           </a:p>
           <a:p>
             <a:pPr lvl="3"/>
             <a:r>
-              <a:rPr lang="en-US" smtClean="0"/>
+              <a:rPr lang="en-US"/>
               <a:t>Fourth level</a:t>
             </a:r>
           </a:p>
           <a:p>
             <a:pPr lvl="4"/>
             <a:r>
-              <a:rPr lang="en-US" smtClean="0"/>
+              <a:rPr lang="en-US"/>
               <a:t>Fifth level</a:t>
             </a:r>
-            <a:endParaRPr lang="en-US"/>
           </a:p>
         </p:txBody>
       </p:sp>
@@ -2070,7 +2061,7 @@
           <a:p>
             <a:pPr lvl="0"/>
             <a:r>
-              <a:rPr lang="en-US" smtClean="0"/>
+              <a:rPr lang="en-US"/>
               <a:t>Edit Master text styles</a:t>
             </a:r>
           </a:p>
@@ -2093,7 +2084,7 @@
           <a:p>
             <a:fld id="{8B2F8DF3-7CFE-4C7E-A62E-FD00A81FB0CD}" type="datetimeFigureOut">
               <a:rPr lang="en-US" smtClean="0"/>
-              <a:t>7/1/2018</a:t>
+              <a:t>7/6/2018</a:t>
             </a:fld>
             <a:endParaRPr lang="en-US"/>
           </a:p>
@@ -2196,10 +2187,9 @@
           </a:lstStyle>
           <a:p>
             <a:r>
-              <a:rPr lang="en-US" smtClean="0"/>
+              <a:rPr lang="en-US"/>
               <a:t>Click to edit Master title style</a:t>
             </a:r>
-            <a:endParaRPr lang="en-US"/>
           </a:p>
         </p:txBody>
       </p:sp>
@@ -2323,7 +2313,7 @@
           <a:p>
             <a:pPr lvl="0"/>
             <a:r>
-              <a:rPr lang="en-US" smtClean="0"/>
+              <a:rPr lang="en-US"/>
               <a:t>Edit Master text styles</a:t>
             </a:r>
           </a:p>
@@ -2346,7 +2336,7 @@
           <a:p>
             <a:fld id="{8B2F8DF3-7CFE-4C7E-A62E-FD00A81FB0CD}" type="datetimeFigureOut">
               <a:rPr lang="en-US" smtClean="0"/>
-              <a:t>7/1/2018</a:t>
+              <a:t>7/6/2018</a:t>
             </a:fld>
             <a:endParaRPr lang="en-US"/>
           </a:p>
@@ -2455,10 +2445,9 @@
           <a:lstStyle/>
           <a:p>
             <a:r>
-              <a:rPr lang="en-US" smtClean="0"/>
+              <a:rPr lang="en-US"/>
               <a:t>Click to edit Master title style</a:t>
             </a:r>
-            <a:endParaRPr lang="en-US"/>
           </a:p>
         </p:txBody>
       </p:sp>
@@ -2489,38 +2478,37 @@
           <a:p>
             <a:pPr lvl="0"/>
             <a:r>
-              <a:rPr lang="en-US" smtClean="0"/>
+              <a:rPr lang="en-US"/>
               <a:t>Edit Master text styles</a:t>
             </a:r>
           </a:p>
           <a:p>
             <a:pPr lvl="1"/>
             <a:r>
-              <a:rPr lang="en-US" smtClean="0"/>
+              <a:rPr lang="en-US"/>
               <a:t>Second level</a:t>
             </a:r>
           </a:p>
           <a:p>
             <a:pPr lvl="2"/>
             <a:r>
-              <a:rPr lang="en-US" smtClean="0"/>
+              <a:rPr lang="en-US"/>
               <a:t>Third level</a:t>
             </a:r>
           </a:p>
           <a:p>
             <a:pPr lvl="3"/>
             <a:r>
-              <a:rPr lang="en-US" smtClean="0"/>
+              <a:rPr lang="en-US"/>
               <a:t>Fourth level</a:t>
             </a:r>
           </a:p>
           <a:p>
             <a:pPr lvl="4"/>
             <a:r>
-              <a:rPr lang="en-US" smtClean="0"/>
+              <a:rPr lang="en-US"/>
               <a:t>Fifth level</a:t>
             </a:r>
-            <a:endParaRPr lang="en-US"/>
           </a:p>
         </p:txBody>
       </p:sp>
@@ -2559,7 +2547,7 @@
           <a:p>
             <a:fld id="{8B2F8DF3-7CFE-4C7E-A62E-FD00A81FB0CD}" type="datetimeFigureOut">
               <a:rPr lang="en-US" smtClean="0"/>
-              <a:t>7/1/2018</a:t>
+              <a:t>7/6/2018</a:t>
             </a:fld>
             <a:endParaRPr lang="en-US"/>
           </a:p>
@@ -2994,20 +2982,17 @@
           <a:p>
             <a:pPr algn="ctr"/>
             <a:r>
-              <a:rPr lang="en-SG" dirty="0" err="1" smtClean="0">
+              <a:rPr lang="en-SG" dirty="0" err="1">
                 <a:latin typeface="Consolas" panose="020B0609020204030204" pitchFamily="49" charset="0"/>
               </a:rPr>
               <a:t>currentStatePointer</a:t>
             </a:r>
             <a:r>
-              <a:rPr lang="en-SG" dirty="0" smtClean="0">
+              <a:rPr lang="en-SG" dirty="0">
                 <a:latin typeface="Consolas" panose="020B0609020204030204" pitchFamily="49" charset="0"/>
               </a:rPr>
               <a:t> = 0</a:t>
             </a:r>
-            <a:endParaRPr lang="en-SG" dirty="0">
-              <a:latin typeface="Consolas" panose="020B0609020204030204" pitchFamily="49" charset="0"/>
-            </a:endParaRPr>
           </a:p>
         </p:txBody>
       </p:sp>
@@ -3057,11 +3042,11 @@
                     <a:lstStyle/>
                     <a:p>
                       <a:r>
-                        <a:rPr lang="en-SG" u="sng" dirty="0" smtClean="0"/>
+                        <a:rPr lang="en-SG" u="sng" dirty="0"/>
                         <a:t>ab0:</a:t>
                       </a:r>
                       <a:r>
-                        <a:rPr lang="en-SG" sz="1800" u="sng" dirty="0" smtClean="0"/>
+                        <a:rPr lang="en-SG" sz="1800" u="sng" dirty="0"/>
                         <a:t>AddressBook</a:t>
                       </a:r>
                       <a:endParaRPr lang="en-SG" sz="1600" u="sng" dirty="0"/>
@@ -3079,46 +3064,6 @@
           </a:graphicData>
         </a:graphic>
       </p:graphicFrame>
-      <p:sp>
-        <p:nvSpPr>
-          <p:cNvPr id="6" name="Up Arrow 5"/>
-          <p:cNvSpPr/>
-          <p:nvPr/>
-        </p:nvSpPr>
-        <p:spPr>
-          <a:xfrm>
-            <a:off x="1637628" y="3331022"/>
-            <a:ext cx="234009" cy="804421"/>
-          </a:xfrm>
-          <a:prstGeom prst="upArrow">
-            <a:avLst/>
-          </a:prstGeom>
-        </p:spPr>
-        <p:style>
-          <a:lnRef idx="2">
-            <a:schemeClr val="accent1">
-              <a:shade val="50000"/>
-            </a:schemeClr>
-          </a:lnRef>
-          <a:fillRef idx="1">
-            <a:schemeClr val="accent1"/>
-          </a:fillRef>
-          <a:effectRef idx="0">
-            <a:schemeClr val="accent1"/>
-          </a:effectRef>
-          <a:fontRef idx="minor">
-            <a:schemeClr val="lt1"/>
-          </a:fontRef>
-        </p:style>
-        <p:txBody>
-          <a:bodyPr rtlCol="0" anchor="ctr"/>
-          <a:lstStyle/>
-          <a:p>
-            <a:pPr algn="ctr"/>
-            <a:endParaRPr lang="en-US"/>
-          </a:p>
-        </p:txBody>
-      </p:sp>
       <p:sp>
         <p:nvSpPr>
           <p:cNvPr id="7" name="Rectangle 6"/>
@@ -3165,6 +3110,50 @@
           </a:p>
         </p:txBody>
       </p:sp>
+      <p:cxnSp>
+        <p:nvCxnSpPr>
+          <p:cNvPr id="3" name="Straight Arrow Connector 2">
+            <a:extLst>
+              <a:ext uri="{FF2B5EF4-FFF2-40B4-BE49-F238E27FC236}">
+                <a16:creationId xmlns:a16="http://schemas.microsoft.com/office/drawing/2014/main" id="{19F1196F-B136-4E44-A8A5-68CAEED3CD2E}"/>
+              </a:ext>
+            </a:extLst>
+          </p:cNvPr>
+          <p:cNvCxnSpPr>
+            <a:cxnSpLocks/>
+          </p:cNvCxnSpPr>
+          <p:nvPr/>
+        </p:nvCxnSpPr>
+        <p:spPr>
+          <a:xfrm flipV="1">
+            <a:off x="1577130" y="3347207"/>
+            <a:ext cx="0" cy="706873"/>
+          </a:xfrm>
+          <a:prstGeom prst="straightConnector1">
+            <a:avLst/>
+          </a:prstGeom>
+          <a:ln>
+            <a:solidFill>
+              <a:srgbClr val="C00000"/>
+            </a:solidFill>
+            <a:tailEnd type="triangle"/>
+          </a:ln>
+        </p:spPr>
+        <p:style>
+          <a:lnRef idx="1">
+            <a:schemeClr val="accent1"/>
+          </a:lnRef>
+          <a:fillRef idx="0">
+            <a:schemeClr val="accent1"/>
+          </a:fillRef>
+          <a:effectRef idx="0">
+            <a:schemeClr val="accent1"/>
+          </a:effectRef>
+          <a:fontRef idx="minor">
+            <a:schemeClr val="tx1"/>
+          </a:fontRef>
+        </p:style>
+      </p:cxnSp>
     </p:spTree>
     <p:extLst>
       <p:ext uri="{BB962C8B-B14F-4D97-AF65-F5344CB8AC3E}">

--- a/docs/diagrams/UndoRedoStartingStateListDiagram.pptx
+++ b/docs/diagrams/UndoRedoStartingStateListDiagram.pptx
@@ -112,10 +112,6 @@
 </p:presentation>
 </file>
 
-<file path=ppt/revisionInfo.xml><?xml version="1.0" encoding="utf-8"?>
-<p1510:revInfo xmlns:a="http://schemas.openxmlformats.org/drawingml/2006/main" xmlns:r="http://schemas.openxmlformats.org/officeDocument/2006/relationships" xmlns:p1510="http://schemas.microsoft.com/office/powerpoint/2015/10/main"/>
-</file>
-
 <file path=ppt/slideLayouts/slideLayout1.xml><?xml version="1.0" encoding="utf-8"?>
 <p:sldLayout xmlns:a="http://schemas.openxmlformats.org/drawingml/2006/main" xmlns:r="http://schemas.openxmlformats.org/officeDocument/2006/relationships" xmlns:p="http://schemas.openxmlformats.org/presentationml/2006/main" type="title" preserve="1">
   <p:cSld name="Title Slide">
@@ -245,7 +241,7 @@
           <a:p>
             <a:fld id="{8B2F8DF3-7CFE-4C7E-A62E-FD00A81FB0CD}" type="datetimeFigureOut">
               <a:rPr lang="en-US" smtClean="0"/>
-              <a:t>7/6/2018</a:t>
+              <a:t>4/11/2019</a:t>
             </a:fld>
             <a:endParaRPr lang="en-US"/>
           </a:p>
@@ -413,7 +409,7 @@
           <a:p>
             <a:fld id="{8B2F8DF3-7CFE-4C7E-A62E-FD00A81FB0CD}" type="datetimeFigureOut">
               <a:rPr lang="en-US" smtClean="0"/>
-              <a:t>7/6/2018</a:t>
+              <a:t>4/11/2019</a:t>
             </a:fld>
             <a:endParaRPr lang="en-US"/>
           </a:p>
@@ -591,7 +587,7 @@
           <a:p>
             <a:fld id="{8B2F8DF3-7CFE-4C7E-A62E-FD00A81FB0CD}" type="datetimeFigureOut">
               <a:rPr lang="en-US" smtClean="0"/>
-              <a:t>7/6/2018</a:t>
+              <a:t>4/11/2019</a:t>
             </a:fld>
             <a:endParaRPr lang="en-US"/>
           </a:p>
@@ -759,7 +755,7 @@
           <a:p>
             <a:fld id="{8B2F8DF3-7CFE-4C7E-A62E-FD00A81FB0CD}" type="datetimeFigureOut">
               <a:rPr lang="en-US" smtClean="0"/>
-              <a:t>7/6/2018</a:t>
+              <a:t>4/11/2019</a:t>
             </a:fld>
             <a:endParaRPr lang="en-US"/>
           </a:p>
@@ -1004,7 +1000,7 @@
           <a:p>
             <a:fld id="{8B2F8DF3-7CFE-4C7E-A62E-FD00A81FB0CD}" type="datetimeFigureOut">
               <a:rPr lang="en-US" smtClean="0"/>
-              <a:t>7/6/2018</a:t>
+              <a:t>4/11/2019</a:t>
             </a:fld>
             <a:endParaRPr lang="en-US"/>
           </a:p>
@@ -1233,7 +1229,7 @@
           <a:p>
             <a:fld id="{8B2F8DF3-7CFE-4C7E-A62E-FD00A81FB0CD}" type="datetimeFigureOut">
               <a:rPr lang="en-US" smtClean="0"/>
-              <a:t>7/6/2018</a:t>
+              <a:t>4/11/2019</a:t>
             </a:fld>
             <a:endParaRPr lang="en-US"/>
           </a:p>
@@ -1597,7 +1593,7 @@
           <a:p>
             <a:fld id="{8B2F8DF3-7CFE-4C7E-A62E-FD00A81FB0CD}" type="datetimeFigureOut">
               <a:rPr lang="en-US" smtClean="0"/>
-              <a:t>7/6/2018</a:t>
+              <a:t>4/11/2019</a:t>
             </a:fld>
             <a:endParaRPr lang="en-US"/>
           </a:p>
@@ -1714,7 +1710,7 @@
           <a:p>
             <a:fld id="{8B2F8DF3-7CFE-4C7E-A62E-FD00A81FB0CD}" type="datetimeFigureOut">
               <a:rPr lang="en-US" smtClean="0"/>
-              <a:t>7/6/2018</a:t>
+              <a:t>4/11/2019</a:t>
             </a:fld>
             <a:endParaRPr lang="en-US"/>
           </a:p>
@@ -1809,7 +1805,7 @@
           <a:p>
             <a:fld id="{8B2F8DF3-7CFE-4C7E-A62E-FD00A81FB0CD}" type="datetimeFigureOut">
               <a:rPr lang="en-US" smtClean="0"/>
-              <a:t>7/6/2018</a:t>
+              <a:t>4/11/2019</a:t>
             </a:fld>
             <a:endParaRPr lang="en-US"/>
           </a:p>
@@ -2084,7 +2080,7 @@
           <a:p>
             <a:fld id="{8B2F8DF3-7CFE-4C7E-A62E-FD00A81FB0CD}" type="datetimeFigureOut">
               <a:rPr lang="en-US" smtClean="0"/>
-              <a:t>7/6/2018</a:t>
+              <a:t>4/11/2019</a:t>
             </a:fld>
             <a:endParaRPr lang="en-US"/>
           </a:p>
@@ -2336,7 +2332,7 @@
           <a:p>
             <a:fld id="{8B2F8DF3-7CFE-4C7E-A62E-FD00A81FB0CD}" type="datetimeFigureOut">
               <a:rPr lang="en-US" smtClean="0"/>
-              <a:t>7/6/2018</a:t>
+              <a:t>4/11/2019</a:t>
             </a:fld>
             <a:endParaRPr lang="en-US"/>
           </a:p>
@@ -2547,7 +2543,7 @@
           <a:p>
             <a:fld id="{8B2F8DF3-7CFE-4C7E-A62E-FD00A81FB0CD}" type="datetimeFigureOut">
               <a:rPr lang="en-US" smtClean="0"/>
-              <a:t>7/6/2018</a:t>
+              <a:t>4/11/2019</a:t>
             </a:fld>
             <a:endParaRPr lang="en-US"/>
           </a:p>
@@ -3011,7 +3007,7 @@
           <p:nvPr>
             <p:extLst>
               <p:ext uri="{D42A27DB-BD31-4B8C-83A1-F6EECF244321}">
-                <p14:modId xmlns:p14="http://schemas.microsoft.com/office/powerpoint/2010/main" val="1292556626"/>
+                <p14:modId xmlns:p14="http://schemas.microsoft.com/office/powerpoint/2010/main" val="2669937086"/>
               </p:ext>
             </p:extLst>
           </p:nvPr>
@@ -3043,11 +3039,11 @@
                     <a:p>
                       <a:r>
                         <a:rPr lang="en-SG" u="sng" dirty="0"/>
-                        <a:t>ab0:</a:t>
+                        <a:t>cl0:</a:t>
                       </a:r>
                       <a:r>
                         <a:rPr lang="en-SG" sz="1800" u="sng" dirty="0"/>
-                        <a:t>AddressBook</a:t>
+                        <a:t>ContactList</a:t>
                       </a:r>
                       <a:endParaRPr lang="en-SG" sz="1600" u="sng" dirty="0"/>
                     </a:p>
